--- a/Tervezes II/presentations/Szakdolgozat_prezentáció_4_3_IAUL0M_v7.pptx
+++ b/Tervezes II/presentations/Szakdolgozat_prezentáció_4_3_IAUL0M_v7.pptx
@@ -6,7 +6,7 @@
     <p:sldMasterId id="2147483661" r:id="rId2"/>
   </p:sldMasterIdLst>
   <p:notesMasterIdLst>
-    <p:notesMasterId r:id="rId15"/>
+    <p:notesMasterId r:id="rId16"/>
   </p:notesMasterIdLst>
   <p:sldIdLst>
     <p:sldId id="256" r:id="rId3"/>
@@ -16,11 +16,12 @@
     <p:sldId id="261" r:id="rId7"/>
     <p:sldId id="262" r:id="rId8"/>
     <p:sldId id="263" r:id="rId9"/>
-    <p:sldId id="265" r:id="rId10"/>
-    <p:sldId id="269" r:id="rId11"/>
-    <p:sldId id="266" r:id="rId12"/>
-    <p:sldId id="267" r:id="rId13"/>
-    <p:sldId id="268" r:id="rId14"/>
+    <p:sldId id="270" r:id="rId10"/>
+    <p:sldId id="265" r:id="rId11"/>
+    <p:sldId id="269" r:id="rId12"/>
+    <p:sldId id="266" r:id="rId13"/>
+    <p:sldId id="267" r:id="rId14"/>
+    <p:sldId id="268" r:id="rId15"/>
   </p:sldIdLst>
   <p:sldSz cx="9144000" cy="6858000" type="screen4x3"/>
   <p:notesSz cx="6858000" cy="9144000"/>
@@ -507,7 +508,65 @@
           <a:bodyPr/>
           <a:lstStyle/>
           <a:p>
-            <a:endParaRPr lang="hu-HU" sz="2000" b="0" strike="noStrike" spc="-1">
+            <a:pPr marL="0" marR="0" indent="0" algn="l" defTabSz="914400" rtl="0" eaLnBrk="1" fontAlgn="auto" latinLnBrk="0" hangingPunct="1">
+              <a:lnSpc>
+                <a:spcPct val="100000"/>
+              </a:lnSpc>
+              <a:spcBef>
+                <a:spcPts val="0"/>
+              </a:spcBef>
+              <a:spcAft>
+                <a:spcPts val="0"/>
+              </a:spcAft>
+              <a:buClrTx/>
+              <a:buSzTx/>
+              <a:buFontTx/>
+              <a:buNone/>
+              <a:tabLst/>
+              <a:defRPr/>
+            </a:pPr>
+            <a:r>
+              <a:rPr lang="hu-HU" sz="2000" b="0" strike="noStrike" spc="-1" dirty="0" smtClean="0">
+                <a:latin typeface="Arial"/>
+              </a:rPr>
+              <a:t>Jónapot kívánok mindenkinek, Smura Nándor</a:t>
+            </a:r>
+            <a:r>
+              <a:rPr lang="hu-HU" sz="2000" b="0" strike="noStrike" spc="-1" baseline="0" dirty="0" smtClean="0">
+                <a:latin typeface="Arial"/>
+              </a:rPr>
+              <a:t> vagyok</a:t>
+            </a:r>
+            <a:r>
+              <a:rPr lang="hu-HU" sz="2000" b="0" strike="noStrike" spc="-1" baseline="0" dirty="0" smtClean="0">
+                <a:latin typeface="+mn-lt"/>
+              </a:rPr>
+              <a:t>, a témám az Időpontfoglaló és ütemező rendszer erőmű tüzelőanyag ellátáshoz.</a:t>
+            </a:r>
+            <a:endParaRPr lang="hu-HU" sz="2000" b="0" strike="noStrike" spc="-1" dirty="0" smtClean="0">
+              <a:latin typeface="+mn-lt"/>
+            </a:endParaRPr>
+          </a:p>
+          <a:p>
+            <a:r>
+              <a:rPr lang="hu-HU" sz="2000" b="0" strike="noStrike" spc="-1" baseline="0" dirty="0" smtClean="0">
+                <a:latin typeface="Arial"/>
+              </a:rPr>
+              <a:t>Témavezetőm pedig Dr. </a:t>
+            </a:r>
+            <a:r>
+              <a:rPr lang="hu-HU" sz="2000" b="0" strike="noStrike" spc="-1" baseline="0" dirty="0" err="1" smtClean="0">
+                <a:latin typeface="Arial"/>
+              </a:rPr>
+              <a:t>Heckl</a:t>
+            </a:r>
+            <a:r>
+              <a:rPr lang="hu-HU" sz="2000" b="0" strike="noStrike" spc="-1" baseline="0" dirty="0" smtClean="0">
+                <a:latin typeface="Arial"/>
+              </a:rPr>
+              <a:t> István.</a:t>
+            </a:r>
+            <a:endParaRPr lang="hu-HU" sz="2000" b="0" strike="noStrike" spc="-1" dirty="0">
               <a:latin typeface="Arial"/>
             </a:endParaRPr>
           </a:p>
@@ -584,6 +643,91 @@
       </p:grpSpPr>
       <p:sp>
         <p:nvSpPr>
+          <p:cNvPr id="174" name="PlaceHolder 1"/>
+          <p:cNvSpPr>
+            <a:spLocks noGrp="1" noRot="1" noChangeAspect="1"/>
+          </p:cNvSpPr>
+          <p:nvPr>
+            <p:ph type="sldImg"/>
+          </p:nvPr>
+        </p:nvSpPr>
+        <p:spPr>
+          <a:xfrm>
+            <a:off x="1144588" y="695325"/>
+            <a:ext cx="4568825" cy="3427413"/>
+          </a:xfrm>
+          <a:prstGeom prst="rect">
+            <a:avLst/>
+          </a:prstGeom>
+        </p:spPr>
+      </p:sp>
+      <p:sp>
+        <p:nvSpPr>
+          <p:cNvPr id="175" name="PlaceHolder 2"/>
+          <p:cNvSpPr>
+            <a:spLocks noGrp="1"/>
+          </p:cNvSpPr>
+          <p:nvPr>
+            <p:ph type="body"/>
+          </p:nvPr>
+        </p:nvSpPr>
+        <p:spPr>
+          <a:xfrm>
+            <a:off x="685800" y="4343400"/>
+            <a:ext cx="5486040" cy="4114440"/>
+          </a:xfrm>
+          <a:prstGeom prst="rect">
+            <a:avLst/>
+          </a:prstGeom>
+        </p:spPr>
+        <p:txBody>
+          <a:bodyPr lIns="0" tIns="0" rIns="0" bIns="0"/>
+          <a:lstStyle/>
+          <a:p>
+            <a:r>
+              <a:rPr lang="hu-HU" sz="2000" b="0" strike="noStrike" spc="-1">
+                <a:latin typeface="Arial"/>
+              </a:rPr>
+              <a:t>A rendszergazda szemszögéből így néz ki a telephelyek adatainak szerkesztése, kiválasztja a telephelyet az adatbázisból, az oldal felsorolja a hozzá tartozó adatokat.</a:t>
+            </a:r>
+          </a:p>
+          <a:p>
+            <a:r>
+              <a:rPr lang="hu-HU" sz="2000" b="0" strike="noStrike" spc="-1">
+                <a:latin typeface="Arial"/>
+              </a:rPr>
+              <a:t>Ezeket a rendszergazda szükség esetén szerkeszthet, majd ha végzett akkor a módosítások mentése gombra kattintva eltárolja ezeket az adatokat.</a:t>
+            </a:r>
+          </a:p>
+        </p:txBody>
+      </p:sp>
+    </p:spTree>
+  </p:cSld>
+  <p:clrMapOvr>
+    <a:masterClrMapping/>
+  </p:clrMapOvr>
+</p:notes>
+</file>
+
+<file path=ppt/notesSlides/notesSlide11.xml><?xml version="1.0" encoding="utf-8"?>
+<p:notes xmlns:a="http://schemas.openxmlformats.org/drawingml/2006/main" xmlns:r="http://schemas.openxmlformats.org/officeDocument/2006/relationships" xmlns:p="http://schemas.openxmlformats.org/presentationml/2006/main">
+  <p:cSld>
+    <p:spTree>
+      <p:nvGrpSpPr>
+        <p:cNvPr id="1" name=""/>
+        <p:cNvGrpSpPr/>
+        <p:nvPr/>
+      </p:nvGrpSpPr>
+      <p:grpSpPr>
+        <a:xfrm>
+          <a:off x="0" y="0"/>
+          <a:ext cx="0" cy="0"/>
+          <a:chOff x="0" y="0"/>
+          <a:chExt cx="0" cy="0"/>
+        </a:xfrm>
+      </p:grpSpPr>
+      <p:sp>
+        <p:nvSpPr>
           <p:cNvPr id="176" name="PlaceHolder 1"/>
           <p:cNvSpPr>
             <a:spLocks noGrp="1" noRot="1" noChangeAspect="1"/>
@@ -701,7 +845,7 @@
       </p:grpSpPr>
       <p:sp>
         <p:nvSpPr>
-          <p:cNvPr id="151" name="PlaceHolder 1"/>
+          <p:cNvPr id="2" name="Diakép helye 1"/>
           <p:cNvSpPr>
             <a:spLocks noGrp="1" noRot="1" noChangeAspect="1"/>
           </p:cNvSpPr>
@@ -711,148 +855,78 @@
         </p:nvSpPr>
         <p:spPr>
           <a:xfrm>
-            <a:off x="1371600" y="1143000"/>
-            <a:ext cx="4114800" cy="3086100"/>
-          </a:xfrm>
-          <a:prstGeom prst="rect">
-            <a:avLst/>
-          </a:prstGeom>
-        </p:spPr>
-      </p:sp>
-      <p:sp>
-        <p:nvSpPr>
-          <p:cNvPr id="152" name="PlaceHolder 2"/>
+            <a:off x="1108075" y="812800"/>
+            <a:ext cx="5343525" cy="4008438"/>
+          </a:xfrm>
+        </p:spPr>
+      </p:sp>
+      <p:sp>
+        <p:nvSpPr>
+          <p:cNvPr id="3" name="Jegyzetek helye 2"/>
           <p:cNvSpPr>
             <a:spLocks noGrp="1"/>
           </p:cNvSpPr>
           <p:nvPr>
-            <p:ph type="body"/>
+            <p:ph type="body" idx="1"/>
           </p:nvPr>
         </p:nvSpPr>
-        <p:spPr>
-          <a:xfrm>
-            <a:off x="685800" y="4400640"/>
-            <a:ext cx="5486040" cy="3600000"/>
-          </a:xfrm>
-          <a:prstGeom prst="rect">
-            <a:avLst/>
-          </a:prstGeom>
-        </p:spPr>
+        <p:spPr/>
         <p:txBody>
           <a:bodyPr/>
           <a:lstStyle/>
           <a:p>
-            <a:pPr marL="216000" indent="-216000">
-              <a:lnSpc>
-                <a:spcPct val="100000"/>
-              </a:lnSpc>
-            </a:pPr>
-            <a:r>
-              <a:rPr lang="hu-HU" sz="2000" b="0" strike="noStrike" spc="-1">
-                <a:latin typeface="Arial"/>
-              </a:rPr>
-              <a:t>A fő probléma oka, hogy minden cég hasonló időpontokat céloz meg a tüzelőanyagok beszállítására, ezzel elkerülve a dugókat.</a:t>
-            </a:r>
-          </a:p>
-          <a:p>
-            <a:pPr marL="216000" indent="-216000">
-              <a:lnSpc>
-                <a:spcPct val="100000"/>
-              </a:lnSpc>
-            </a:pPr>
-            <a:r>
-              <a:rPr lang="hu-HU" sz="2000" b="0" strike="noStrike" spc="-1">
-                <a:latin typeface="Arial"/>
-              </a:rPr>
-              <a:t>Ennek köszönhetően a kamionok egyszerre érkeznek be a telepre, így ott okozva fennakadást, amitől minden sokkal bonyolultabbá válik.</a:t>
-            </a:r>
-          </a:p>
-          <a:p>
-            <a:pPr marL="216000" indent="-216000">
-              <a:lnSpc>
-                <a:spcPct val="100000"/>
-              </a:lnSpc>
-            </a:pPr>
-            <a:r>
-              <a:rPr lang="hu-HU" sz="2000" b="0" strike="noStrike" spc="-1">
-                <a:latin typeface="Arial"/>
-              </a:rPr>
-              <a:t>Tűzvédelmi okokból is gondot okoz a torlódás, nehezebb evakuáció és a szállítmányok is lángra kaphatnak.</a:t>
-            </a:r>
-          </a:p>
-          <a:p>
-            <a:pPr marL="216000" indent="-216000">
-              <a:lnSpc>
-                <a:spcPct val="100000"/>
-              </a:lnSpc>
-            </a:pPr>
-            <a:r>
-              <a:rPr lang="hu-HU" sz="2000" b="0" strike="noStrike" spc="-1">
-                <a:latin typeface="Arial"/>
-              </a:rPr>
-              <a:t>Ezekből az okokból kifolyólag szükséges korlátozni a beszállító kamionokat, amik egyszerre tartózkodhatnak a telephelyen.</a:t>
-            </a:r>
-          </a:p>
-          <a:p>
-            <a:pPr marL="216000" indent="-216000">
-              <a:lnSpc>
-                <a:spcPct val="100000"/>
-              </a:lnSpc>
-            </a:pPr>
-            <a:r>
-              <a:rPr lang="hu-HU" sz="2000" b="0" strike="noStrike" spc="-1">
-                <a:latin typeface="Arial"/>
-              </a:rPr>
-              <a:t>Ezzel a megkötéssel meggyorsíthatjuk az áruszállító folyamatot is, hiszen szépen sorban lehet haladni az adott erőmű kapacitásához mérten.</a:t>
-            </a:r>
-          </a:p>
-        </p:txBody>
-      </p:sp>
-      <p:sp>
-        <p:nvSpPr>
-          <p:cNvPr id="153" name="TextShape 3"/>
-          <p:cNvSpPr txBox="1"/>
-          <p:nvPr/>
-        </p:nvSpPr>
-        <p:spPr>
-          <a:xfrm>
-            <a:off x="3884760" y="8685360"/>
-            <a:ext cx="2971440" cy="458280"/>
-          </a:xfrm>
-          <a:prstGeom prst="rect">
-            <a:avLst/>
-          </a:prstGeom>
-          <a:noFill/>
-          <a:ln>
-            <a:noFill/>
-          </a:ln>
-        </p:spPr>
-        <p:txBody>
-          <a:bodyPr anchor="b"/>
-          <a:lstStyle/>
-          <a:p>
-            <a:pPr algn="r">
-              <a:lnSpc>
-                <a:spcPct val="100000"/>
-              </a:lnSpc>
-            </a:pPr>
-            <a:fld id="{0BE8B29B-0E7E-4E10-82D9-39B352B859F0}" type="slidenum">
-              <a:rPr lang="hu-HU" sz="1200" b="0" strike="noStrike" spc="-1">
-                <a:solidFill>
-                  <a:srgbClr val="000000"/>
-                </a:solidFill>
-                <a:latin typeface="+mn-lt"/>
-                <a:ea typeface="+mn-ea"/>
-              </a:rPr>
-              <a:t>3</a:t>
+            <a:r>
+              <a:rPr lang="hu-HU" dirty="0" smtClean="0"/>
+              <a:t>Az előadásom során elsősorban szeretném</a:t>
+            </a:r>
+            <a:r>
+              <a:rPr lang="hu-HU" baseline="0" dirty="0" smtClean="0"/>
+              <a:t> bemutatni a problémát, ami miatt a rendszer megalkotására szükség volt, majd azt, hogy mit is tartalmaz pontosan a megoldás és hogy ezt milyen technológiák segítségével valósítottam meg.</a:t>
+            </a:r>
+          </a:p>
+          <a:p>
+            <a:r>
+              <a:rPr lang="hu-HU" baseline="0" dirty="0" smtClean="0"/>
+              <a:t>Ezek után pedig egy részletesebb betekintés a rendszer működésébe</a:t>
+            </a:r>
+            <a:endParaRPr lang="hu-HU" dirty="0"/>
+          </a:p>
+        </p:txBody>
+      </p:sp>
+      <p:sp>
+        <p:nvSpPr>
+          <p:cNvPr id="4" name="Dia számának helye 3"/>
+          <p:cNvSpPr>
+            <a:spLocks noGrp="1"/>
+          </p:cNvSpPr>
+          <p:nvPr>
+            <p:ph type="sldNum" idx="10"/>
+          </p:nvPr>
+        </p:nvSpPr>
+        <p:spPr/>
+        <p:txBody>
+          <a:bodyPr/>
+          <a:lstStyle/>
+          <a:p>
+            <a:pPr algn="r"/>
+            <a:fld id="{189EB01A-A9E8-415E-96EA-3E3CA71315F5}" type="slidenum">
+              <a:rPr lang="hu-HU" sz="1400" b="0" strike="noStrike" spc="-1" smtClean="0">
+                <a:latin typeface="Times New Roman"/>
+              </a:rPr>
+              <a:t>2</a:t>
             </a:fld>
-            <a:endParaRPr lang="hu-HU" sz="1200" b="0" strike="noStrike" spc="-1">
+            <a:endParaRPr lang="hu-HU" sz="1400" b="0" strike="noStrike" spc="-1">
               <a:latin typeface="Times New Roman"/>
             </a:endParaRPr>
           </a:p>
         </p:txBody>
       </p:sp>
     </p:spTree>
+    <p:extLst>
+      <p:ext uri="{BB962C8B-B14F-4D97-AF65-F5344CB8AC3E}">
+        <p14:creationId xmlns:p14="http://schemas.microsoft.com/office/powerpoint/2010/main" val="1214112405"/>
+      </p:ext>
+    </p:extLst>
   </p:cSld>
   <p:clrMapOvr>
     <a:masterClrMapping/>
@@ -879,7 +953,7 @@
       </p:grpSpPr>
       <p:sp>
         <p:nvSpPr>
-          <p:cNvPr id="157" name="PlaceHolder 1"/>
+          <p:cNvPr id="151" name="PlaceHolder 1"/>
           <p:cNvSpPr>
             <a:spLocks noGrp="1" noRot="1" noChangeAspect="1"/>
           </p:cNvSpPr>
@@ -899,7 +973,7 @@
       </p:sp>
       <p:sp>
         <p:nvSpPr>
-          <p:cNvPr id="158" name="PlaceHolder 2"/>
+          <p:cNvPr id="152" name="PlaceHolder 2"/>
           <p:cNvSpPr>
             <a:spLocks noGrp="1"/>
           </p:cNvSpPr>
@@ -926,17 +1000,88 @@
               </a:lnSpc>
             </a:pPr>
             <a:r>
-              <a:rPr lang="hu-HU" sz="2000" b="0" strike="noStrike" spc="-1">
+              <a:rPr lang="hu-HU" sz="2000" b="0" strike="noStrike" spc="-1" dirty="0">
                 <a:latin typeface="Arial"/>
               </a:rPr>
-              <a:t>Az oldalon különböző szerepkörökkel és jogosultságokkal rendelkeznek a felhasználók. Mint például a beszerző aki az időpontokat határozza meg, a beszállító aki ezeket lefoglalja, az átvevő aki frissíti az átvétel állapotát, az elszámoló aki a statisztikákért felel. Ugyanakkor ott van az adminisztrátor is aki minden felhasználó, telephely, anyag és szerepkörök adatait tudja karban tartani.</a:t>
-            </a:r>
-          </a:p>
-        </p:txBody>
-      </p:sp>
-      <p:sp>
-        <p:nvSpPr>
-          <p:cNvPr id="159" name="TextShape 3"/>
+              <a:t>A fő probléma oka, hogy minden cég hasonló időpontokat céloz meg a tüzelőanyagok </a:t>
+            </a:r>
+            <a:r>
+              <a:rPr lang="hu-HU" sz="2000" b="0" strike="noStrike" spc="-1" dirty="0" smtClean="0">
+                <a:latin typeface="Arial"/>
+              </a:rPr>
+              <a:t>beszállítására</a:t>
+            </a:r>
+            <a:r>
+              <a:rPr lang="hu-HU" sz="2000" b="0" strike="noStrike" spc="-1" baseline="0" dirty="0" smtClean="0">
+                <a:latin typeface="Arial"/>
+              </a:rPr>
+              <a:t>.</a:t>
+            </a:r>
+            <a:endParaRPr lang="hu-HU" sz="2000" b="0" strike="noStrike" spc="-1" dirty="0">
+              <a:latin typeface="Arial"/>
+            </a:endParaRPr>
+          </a:p>
+          <a:p>
+            <a:pPr marL="216000" indent="-216000">
+              <a:lnSpc>
+                <a:spcPct val="100000"/>
+              </a:lnSpc>
+            </a:pPr>
+            <a:r>
+              <a:rPr lang="hu-HU" sz="2000" b="0" strike="noStrike" spc="-1" dirty="0">
+                <a:latin typeface="Arial"/>
+              </a:rPr>
+              <a:t>Ennek köszönhetően a kamionok egyszerre érkeznek be a telepre, </a:t>
+            </a:r>
+            <a:r>
+              <a:rPr lang="hu-HU" sz="2000" b="0" strike="noStrike" spc="-1" dirty="0" smtClean="0">
+                <a:latin typeface="+mn-lt"/>
+              </a:rPr>
+              <a:t>fennakadást okozva,</a:t>
+            </a:r>
+            <a:r>
+              <a:rPr lang="hu-HU" sz="2000" b="0" strike="noStrike" spc="-1" baseline="0" dirty="0" smtClean="0">
+                <a:latin typeface="+mn-lt"/>
+              </a:rPr>
+              <a:t> ami nem csak lassítja a folyamatot, de tűzvédelmi okokból is gondot jelenthet</a:t>
+            </a:r>
+            <a:r>
+              <a:rPr lang="hu-HU" sz="2000" b="0" strike="noStrike" spc="-1" dirty="0" smtClean="0">
+                <a:latin typeface="Arial"/>
+              </a:rPr>
+              <a:t>.</a:t>
+            </a:r>
+            <a:endParaRPr lang="hu-HU" sz="2000" b="0" strike="noStrike" spc="-1" dirty="0">
+              <a:latin typeface="Arial"/>
+            </a:endParaRPr>
+          </a:p>
+          <a:p>
+            <a:pPr marL="216000" indent="-216000">
+              <a:lnSpc>
+                <a:spcPct val="100000"/>
+              </a:lnSpc>
+            </a:pPr>
+            <a:r>
+              <a:rPr lang="hu-HU" sz="2000" b="0" strike="noStrike" spc="-1" dirty="0" smtClean="0">
+                <a:latin typeface="Arial"/>
+              </a:rPr>
+              <a:t>Ezen okok</a:t>
+            </a:r>
+            <a:r>
+              <a:rPr lang="hu-HU" sz="2000" b="0" strike="noStrike" spc="-1" baseline="0" dirty="0" smtClean="0">
+                <a:latin typeface="Arial"/>
+              </a:rPr>
+              <a:t> miatt, valahogy rendszerezni kell a beszállításokat, a kamionok számát limitálni kell.</a:t>
+            </a:r>
+            <a:endParaRPr lang="hu-HU" sz="2000" b="0" strike="noStrike" spc="-1" dirty="0">
+              <a:latin typeface="Arial"/>
+            </a:endParaRPr>
+          </a:p>
+        </p:txBody>
+      </p:sp>
+      <p:sp>
+        <p:nvSpPr>
+          <p:cNvPr id="153" name="TextShape 3"/>
           <p:cNvSpPr txBox="1"/>
           <p:nvPr/>
         </p:nvSpPr>
@@ -962,7 +1107,7 @@
                 <a:spcPct val="100000"/>
               </a:lnSpc>
             </a:pPr>
-            <a:fld id="{B4135E5E-DDE4-47ED-9049-9B13B8F9A95B}" type="slidenum">
+            <a:fld id="{0BE8B29B-0E7E-4E10-82D9-39B352B859F0}" type="slidenum">
               <a:rPr lang="hu-HU" sz="1200" b="0" strike="noStrike" spc="-1">
                 <a:solidFill>
                   <a:srgbClr val="000000"/>
@@ -970,7 +1115,7 @@
                 <a:latin typeface="+mn-lt"/>
                 <a:ea typeface="+mn-ea"/>
               </a:rPr>
-              <a:t>4</a:t>
+              <a:t>3</a:t>
             </a:fld>
             <a:endParaRPr lang="hu-HU" sz="1200" b="0" strike="noStrike" spc="-1">
               <a:latin typeface="Times New Roman"/>
@@ -1005,7 +1150,7 @@
       </p:grpSpPr>
       <p:sp>
         <p:nvSpPr>
-          <p:cNvPr id="160" name="PlaceHolder 1"/>
+          <p:cNvPr id="157" name="PlaceHolder 1"/>
           <p:cNvSpPr>
             <a:spLocks noGrp="1" noRot="1" noChangeAspect="1"/>
           </p:cNvSpPr>
@@ -1025,7 +1170,7 @@
       </p:sp>
       <p:sp>
         <p:nvSpPr>
-          <p:cNvPr id="161" name="PlaceHolder 2"/>
+          <p:cNvPr id="158" name="PlaceHolder 2"/>
           <p:cNvSpPr>
             <a:spLocks noGrp="1"/>
           </p:cNvSpPr>
@@ -1052,10 +1197,16 @@
               </a:lnSpc>
             </a:pPr>
             <a:r>
-              <a:rPr lang="hu-HU" sz="2000" b="0" strike="noStrike" spc="-1">
+              <a:rPr lang="hu-HU" sz="2000" b="0" strike="noStrike" spc="-1" dirty="0" smtClean="0">
                 <a:latin typeface="Arial"/>
               </a:rPr>
-              <a:t>A rendszer megírásához a Visual Studio-t használom, azon belül is az ASP.NET keretrendszerben íródott web alkalmazást, amire az MVC technológiát alkalmaztam.</a:t>
+              <a:t>A probléma</a:t>
+            </a:r>
+            <a:r>
+              <a:rPr lang="hu-HU" sz="2000" b="0" strike="noStrike" spc="-1" baseline="0" dirty="0" smtClean="0">
+                <a:latin typeface="Arial"/>
+              </a:rPr>
+              <a:t> megoldásához egy webes alapú alkalmazásra van szükség.</a:t>
             </a:r>
           </a:p>
           <a:p>
@@ -1065,17 +1216,55 @@
               </a:lnSpc>
             </a:pPr>
             <a:r>
-              <a:rPr lang="hu-HU" sz="2000" b="0" strike="noStrike" spc="-1">
+              <a:rPr lang="hu-HU" sz="2000" b="0" strike="noStrike" spc="-1" baseline="0" dirty="0" smtClean="0">
                 <a:latin typeface="Arial"/>
               </a:rPr>
-              <a:t>Az adatbázist SQL Server Management Studiot használom, mert ezt támogatja a Visual Studio is, így egyszerű az egész felépítése. Az adatok tárolását és lekérését C#-ban írtam meg. A frontend logikai része pedig javascriptben készült. A kinézetet, mint ahogy minden weboldal esetén, HTML alapozza meg és ezt javítja fel a Bootstrap, amivel sokkal egyszerűbben ráhúzhatjuk weboldalunka az előre megírt stílusokat, és így CSS-ben már csak az egyedibbre szabás érdekében kell csinálnunk valamit.</a:t>
-            </a:r>
-          </a:p>
-        </p:txBody>
-      </p:sp>
-      <p:sp>
-        <p:nvSpPr>
-          <p:cNvPr id="162" name="TextShape 3"/>
+              <a:t>Ennek funkciói közé tartozik az időpontok kiírása és a lehetőség, hogy ezeket lefoglaljuk.</a:t>
+            </a:r>
+          </a:p>
+          <a:p>
+            <a:pPr marL="216000" indent="-216000">
+              <a:lnSpc>
+                <a:spcPct val="100000"/>
+              </a:lnSpc>
+            </a:pPr>
+            <a:r>
+              <a:rPr lang="hu-HU" sz="2000" b="0" strike="noStrike" spc="-1" baseline="0" dirty="0" smtClean="0">
+                <a:latin typeface="Arial"/>
+              </a:rPr>
+              <a:t>Egy beszállítást nyomon követhetjük, és cégenként ezekről statisztikát is láthatunk.</a:t>
+            </a:r>
+            <a:endParaRPr lang="hu-HU" sz="2000" b="0" strike="noStrike" spc="-1" dirty="0" smtClean="0">
+              <a:latin typeface="Arial"/>
+            </a:endParaRPr>
+          </a:p>
+          <a:p>
+            <a:pPr marL="216000" indent="-216000">
+              <a:lnSpc>
+                <a:spcPct val="100000"/>
+              </a:lnSpc>
+            </a:pPr>
+            <a:r>
+              <a:rPr lang="hu-HU" sz="2000" b="0" strike="noStrike" spc="-1" dirty="0" smtClean="0">
+                <a:latin typeface="Arial"/>
+              </a:rPr>
+              <a:t>Az oldalon különböző szerepkörök</a:t>
+            </a:r>
+            <a:r>
+              <a:rPr lang="hu-HU" sz="2000" b="0" strike="noStrike" spc="-1" baseline="0" dirty="0" smtClean="0">
+                <a:latin typeface="Arial"/>
+              </a:rPr>
+              <a:t> találhatók meg, munkaköri beosztásoknak megfelelően.</a:t>
+            </a:r>
+            <a:endParaRPr lang="hu-HU" sz="2000" b="0" strike="noStrike" spc="-1" dirty="0">
+              <a:latin typeface="Arial"/>
+            </a:endParaRPr>
+          </a:p>
+        </p:txBody>
+      </p:sp>
+      <p:sp>
+        <p:nvSpPr>
+          <p:cNvPr id="159" name="TextShape 3"/>
           <p:cNvSpPr txBox="1"/>
           <p:nvPr/>
         </p:nvSpPr>
@@ -1101,7 +1290,7 @@
                 <a:spcPct val="100000"/>
               </a:lnSpc>
             </a:pPr>
-            <a:fld id="{C82B7761-263D-42CB-ABC1-A4E5FE48F0E5}" type="slidenum">
+            <a:fld id="{B4135E5E-DDE4-47ED-9049-9B13B8F9A95B}" type="slidenum">
               <a:rPr lang="hu-HU" sz="1200" b="0" strike="noStrike" spc="-1">
                 <a:solidFill>
                   <a:srgbClr val="000000"/>
@@ -1109,7 +1298,7 @@
                 <a:latin typeface="+mn-lt"/>
                 <a:ea typeface="+mn-ea"/>
               </a:rPr>
-              <a:t>5</a:t>
+              <a:t>4</a:t>
             </a:fld>
             <a:endParaRPr lang="hu-HU" sz="1200" b="0" strike="noStrike" spc="-1">
               <a:latin typeface="Times New Roman"/>
@@ -1144,7 +1333,7 @@
       </p:grpSpPr>
       <p:sp>
         <p:nvSpPr>
-          <p:cNvPr id="163" name="PlaceHolder 1"/>
+          <p:cNvPr id="160" name="PlaceHolder 1"/>
           <p:cNvSpPr>
             <a:spLocks noGrp="1" noRot="1" noChangeAspect="1"/>
           </p:cNvSpPr>
@@ -1164,7 +1353,7 @@
       </p:sp>
       <p:sp>
         <p:nvSpPr>
-          <p:cNvPr id="164" name="PlaceHolder 2"/>
+          <p:cNvPr id="161" name="PlaceHolder 2"/>
           <p:cNvSpPr>
             <a:spLocks noGrp="1"/>
           </p:cNvSpPr>
@@ -1191,11 +1380,32 @@
               </a:lnSpc>
             </a:pPr>
             <a:r>
-              <a:rPr lang="hu-HU" sz="2000" b="0" strike="noStrike" spc="-1">
+              <a:rPr lang="hu-HU" sz="2000" b="0" strike="noStrike" spc="-1" dirty="0">
                 <a:latin typeface="Arial"/>
               </a:rPr>
-              <a:t>Az MVC egy olyan tervezési minta, ami teljes mértékben külön bontja a megjelenítésért szolgáló kódrészletet, attól ami az üzleti logikáért felel.</a:t>
-            </a:r>
+              <a:t>A rendszer megírásához a Visual Studio-t </a:t>
+            </a:r>
+            <a:r>
+              <a:rPr lang="hu-HU" sz="2000" b="0" strike="noStrike" spc="-1" dirty="0" smtClean="0">
+                <a:latin typeface="Arial"/>
+              </a:rPr>
+              <a:t>használtam, </a:t>
+            </a:r>
+            <a:r>
+              <a:rPr lang="hu-HU" sz="2000" b="0" strike="noStrike" spc="-1" dirty="0">
+                <a:latin typeface="Arial"/>
+              </a:rPr>
+              <a:t>azon belül is az ASP.NET keretrendszerben íródott web alkalmazást, </a:t>
+            </a:r>
+            <a:r>
+              <a:rPr lang="hu-HU" sz="2000" b="0" strike="noStrike" spc="-1" dirty="0" smtClean="0">
+                <a:latin typeface="Arial"/>
+              </a:rPr>
+              <a:t>aminek az alapja az MVC tervezési minta.</a:t>
+            </a:r>
+            <a:endParaRPr lang="hu-HU" sz="2000" b="0" strike="noStrike" spc="-1" dirty="0">
+              <a:latin typeface="Arial"/>
+            </a:endParaRPr>
           </a:p>
           <a:p>
             <a:pPr marL="216000" indent="-216000">
@@ -1204,10 +1414,40 @@
               </a:lnSpc>
             </a:pPr>
             <a:r>
-              <a:rPr lang="hu-HU" sz="2000" b="0" strike="noStrike" spc="-1">
+              <a:rPr lang="hu-HU" sz="2000" b="0" strike="noStrike" spc="-1" dirty="0">
                 <a:latin typeface="Arial"/>
               </a:rPr>
-              <a:t>Az MVC maga három részre bontható, modell, view ami nézetet jelent és a controller ami a vezérlő. </a:t>
+              <a:t>Az adatbázist SQL Server Management </a:t>
+            </a:r>
+            <a:r>
+              <a:rPr lang="hu-HU" sz="2000" b="0" strike="noStrike" spc="-1" dirty="0" err="1">
+                <a:latin typeface="Arial"/>
+              </a:rPr>
+              <a:t>Studiot</a:t>
+            </a:r>
+            <a:r>
+              <a:rPr lang="hu-HU" sz="2000" b="0" strike="noStrike" spc="-1" dirty="0">
+                <a:latin typeface="Arial"/>
+              </a:rPr>
+              <a:t> használom, </a:t>
+            </a:r>
+            <a:r>
+              <a:rPr lang="hu-HU" sz="2000" b="0" strike="noStrike" spc="-1" dirty="0" smtClean="0">
+                <a:latin typeface="Arial"/>
+              </a:rPr>
+              <a:t>ami a Visual Studio</a:t>
+            </a:r>
+            <a:r>
+              <a:rPr lang="hu-HU" sz="2000" b="0" strike="noStrike" spc="-1" baseline="0" dirty="0" smtClean="0">
+                <a:latin typeface="Arial"/>
+              </a:rPr>
+              <a:t> által támogatott</a:t>
+            </a:r>
+            <a:r>
+              <a:rPr lang="hu-HU" sz="2000" b="0" strike="noStrike" spc="-1" dirty="0" smtClean="0">
+                <a:latin typeface="Arial"/>
+              </a:rPr>
+              <a:t>.</a:t>
             </a:r>
           </a:p>
           <a:p>
@@ -1217,11 +1457,20 @@
               </a:lnSpc>
             </a:pPr>
             <a:r>
-              <a:rPr lang="hu-HU" sz="2000" b="0" strike="noStrike" spc="-1">
+              <a:rPr lang="hu-HU" sz="2000" b="0" strike="noStrike" spc="-1" dirty="0" smtClean="0">
                 <a:latin typeface="Arial"/>
               </a:rPr>
-              <a:t>A nézet ahogy a neve is mondja, felel a megjelenítésért, ez az amit a hétköznapi felhasználó lát ha egy weboldalt használ.</a:t>
-            </a:r>
+              <a:t>Az </a:t>
+            </a:r>
+            <a:r>
+              <a:rPr lang="hu-HU" sz="2000" b="0" strike="noStrike" spc="-1" dirty="0">
+                <a:latin typeface="Arial"/>
+              </a:rPr>
+              <a:t>adatok tárolását és lekérését C#-ban írtam meg. </a:t>
+            </a:r>
+            <a:endParaRPr lang="hu-HU" sz="2000" b="0" strike="noStrike" spc="-1" dirty="0" smtClean="0">
+              <a:latin typeface="Arial"/>
+            </a:endParaRPr>
           </a:p>
           <a:p>
             <a:pPr marL="216000" indent="-216000">
@@ -1230,11 +1479,32 @@
               </a:lnSpc>
             </a:pPr>
             <a:r>
-              <a:rPr lang="hu-HU" sz="2000" b="0" strike="noStrike" spc="-1">
+              <a:rPr lang="hu-HU" sz="2000" b="0" strike="noStrike" spc="-1" dirty="0" smtClean="0">
                 <a:latin typeface="Arial"/>
               </a:rPr>
-              <a:t>A Model ami az adattagokat tárolja, és kapcsolatban áll az adatbázisunkkal is.</a:t>
-            </a:r>
+              <a:t>A </a:t>
+            </a:r>
+            <a:r>
+              <a:rPr lang="hu-HU" sz="2000" b="0" strike="noStrike" spc="-1" dirty="0">
+                <a:latin typeface="Arial"/>
+              </a:rPr>
+              <a:t>frontend logikai része pedig </a:t>
+            </a:r>
+            <a:r>
+              <a:rPr lang="hu-HU" sz="2000" b="0" strike="noStrike" spc="-1" dirty="0" err="1">
+                <a:latin typeface="Arial"/>
+              </a:rPr>
+              <a:t>javascriptben</a:t>
+            </a:r>
+            <a:r>
+              <a:rPr lang="hu-HU" sz="2000" b="0" strike="noStrike" spc="-1" dirty="0">
+                <a:latin typeface="Arial"/>
+              </a:rPr>
+              <a:t> készült. </a:t>
+            </a:r>
+            <a:endParaRPr lang="hu-HU" sz="2000" b="0" strike="noStrike" spc="-1" dirty="0" smtClean="0">
+              <a:latin typeface="Arial"/>
+            </a:endParaRPr>
           </a:p>
           <a:p>
             <a:pPr marL="216000" indent="-216000">
@@ -1243,10 +1513,34 @@
               </a:lnSpc>
             </a:pPr>
             <a:r>
-              <a:rPr lang="hu-HU" sz="2000" b="0" strike="noStrike" spc="-1">
+              <a:rPr lang="hu-HU" sz="2000" b="0" strike="noStrike" spc="-1" dirty="0" smtClean="0">
                 <a:latin typeface="Arial"/>
               </a:rPr>
-              <a:t>A Controller pedig ezt a kettőt köti össze, ha a felhasználó egy új adattagot vesz fel egy táblába, akkor a controlleren kereszütl kapja ezt meg a model, és tárolja el az adatbázisban.</a:t>
+              <a:t>A </a:t>
+            </a:r>
+            <a:r>
+              <a:rPr lang="hu-HU" sz="2000" b="0" strike="noStrike" spc="-1" dirty="0">
+                <a:latin typeface="Arial"/>
+              </a:rPr>
+              <a:t>kinézetet, mint ahogy minden weboldal esetén, HTML alapozza meg és ezt javítja fel a </a:t>
+            </a:r>
+            <a:r>
+              <a:rPr lang="hu-HU" sz="2000" b="0" strike="noStrike" spc="-1" dirty="0" err="1">
+                <a:latin typeface="Arial"/>
+              </a:rPr>
+              <a:t>Bootstrap</a:t>
+            </a:r>
+            <a:r>
+              <a:rPr lang="hu-HU" sz="2000" b="0" strike="noStrike" spc="-1" dirty="0">
+                <a:latin typeface="Arial"/>
+              </a:rPr>
+              <a:t>, amivel sokkal egyszerűbben ráhúzhatjuk weboldalunka az előre megírt stílusokat, és így CSS-ben már csak az egyedibbre szabás érdekében kell csinálnunk valamit</a:t>
+            </a:r>
+            <a:r>
+              <a:rPr lang="hu-HU" sz="2000" b="0" strike="noStrike" spc="-1" dirty="0" smtClean="0">
+                <a:latin typeface="Arial"/>
+              </a:rPr>
+              <a:t>.</a:t>
             </a:r>
           </a:p>
           <a:p>
@@ -1256,30 +1550,38 @@
               </a:lnSpc>
             </a:pPr>
             <a:r>
-              <a:rPr lang="hu-HU" sz="2000" b="0" strike="noStrike" spc="-1">
+              <a:rPr lang="hu-HU" sz="2000" b="0" strike="noStrike" spc="-1" dirty="0" smtClean="0">
                 <a:latin typeface="Arial"/>
               </a:rPr>
-              <a:t>Ez a fajta rendszer azért hasznos, mert amikor a kinézetet szeretnénk javítani a programkódban, akkor véletlenül sem írunk bele az üzleti logikát tartalmazó kódrészletbe, és külön tudjuk debugolni ezeket ha valami hiba merül fel.</a:t>
-            </a:r>
-          </a:p>
-          <a:p>
-            <a:pPr marL="216000" indent="-216000">
-              <a:lnSpc>
-                <a:spcPct val="100000"/>
-              </a:lnSpc>
-            </a:pPr>
-            <a:r>
-              <a:rPr lang="hu-HU" sz="2000" b="0" strike="noStrike" spc="-1">
+              <a:t>Verziókövetésre pedig</a:t>
+            </a:r>
+            <a:r>
+              <a:rPr lang="hu-HU" sz="2000" b="0" strike="noStrike" spc="-1" baseline="0" dirty="0" smtClean="0">
                 <a:latin typeface="Arial"/>
               </a:rPr>
-              <a:t>Ugyanakkor a kódot is átláthatóbbá teszi, ha valaki már tudja, hogy mit hol keressen. A teljes kódnak csak egy töredékét kell átnézni, ha valamit szerkeszteni szeretnénk és ezt a programban keressük.</a:t>
-            </a:r>
-          </a:p>
-        </p:txBody>
-      </p:sp>
-      <p:sp>
-        <p:nvSpPr>
-          <p:cNvPr id="165" name="TextShape 3"/>
+              <a:t> </a:t>
+            </a:r>
+            <a:r>
+              <a:rPr lang="hu-HU" sz="2000" b="0" strike="noStrike" spc="-1" baseline="0" dirty="0" err="1" smtClean="0">
+                <a:latin typeface="Arial"/>
+              </a:rPr>
+              <a:t>gitet</a:t>
+            </a:r>
+            <a:r>
+              <a:rPr lang="hu-HU" sz="2000" b="0" strike="noStrike" spc="-1" baseline="0" dirty="0" smtClean="0">
+                <a:latin typeface="Arial"/>
+              </a:rPr>
+              <a:t> használok.</a:t>
+            </a:r>
+            <a:endParaRPr lang="hu-HU" sz="2000" b="0" strike="noStrike" spc="-1" dirty="0">
+              <a:latin typeface="Arial"/>
+            </a:endParaRPr>
+          </a:p>
+        </p:txBody>
+      </p:sp>
+      <p:sp>
+        <p:nvSpPr>
+          <p:cNvPr id="162" name="TextShape 3"/>
           <p:cNvSpPr txBox="1"/>
           <p:nvPr/>
         </p:nvSpPr>
@@ -1305,7 +1607,7 @@
                 <a:spcPct val="100000"/>
               </a:lnSpc>
             </a:pPr>
-            <a:fld id="{1F73BB49-5F85-470B-9D66-83AC1C98509B}" type="slidenum">
+            <a:fld id="{C82B7761-263D-42CB-ABC1-A4E5FE48F0E5}" type="slidenum">
               <a:rPr lang="hu-HU" sz="1200" b="0" strike="noStrike" spc="-1">
                 <a:solidFill>
                   <a:srgbClr val="000000"/>
@@ -1313,7 +1615,7 @@
                 <a:latin typeface="+mn-lt"/>
                 <a:ea typeface="+mn-ea"/>
               </a:rPr>
-              <a:t>6</a:t>
+              <a:t>5</a:t>
             </a:fld>
             <a:endParaRPr lang="hu-HU" sz="1200" b="0" strike="noStrike" spc="-1">
               <a:latin typeface="Times New Roman"/>
@@ -1348,7 +1650,7 @@
       </p:grpSpPr>
       <p:sp>
         <p:nvSpPr>
-          <p:cNvPr id="166" name="PlaceHolder 1"/>
+          <p:cNvPr id="163" name="PlaceHolder 1"/>
           <p:cNvSpPr>
             <a:spLocks noGrp="1" noRot="1" noChangeAspect="1"/>
           </p:cNvSpPr>
@@ -1358,17 +1660,17 @@
         </p:nvSpPr>
         <p:spPr>
           <a:xfrm>
-            <a:off x="1144588" y="695325"/>
-            <a:ext cx="4568825" cy="3427413"/>
-          </a:xfrm>
-          <a:prstGeom prst="rect">
-            <a:avLst/>
-          </a:prstGeom>
-        </p:spPr>
-      </p:sp>
-      <p:sp>
-        <p:nvSpPr>
-          <p:cNvPr id="167" name="PlaceHolder 2"/>
+            <a:off x="1371600" y="1143000"/>
+            <a:ext cx="4114800" cy="3086100"/>
+          </a:xfrm>
+          <a:prstGeom prst="rect">
+            <a:avLst/>
+          </a:prstGeom>
+        </p:spPr>
+      </p:sp>
+      <p:sp>
+        <p:nvSpPr>
+          <p:cNvPr id="164" name="PlaceHolder 2"/>
           <p:cNvSpPr>
             <a:spLocks noGrp="1"/>
           </p:cNvSpPr>
@@ -1378,39 +1680,234 @@
         </p:nvSpPr>
         <p:spPr>
           <a:xfrm>
-            <a:off x="685800" y="4343400"/>
-            <a:ext cx="5486040" cy="4250160"/>
-          </a:xfrm>
-          <a:prstGeom prst="rect">
-            <a:avLst/>
-          </a:prstGeom>
-        </p:spPr>
-        <p:txBody>
-          <a:bodyPr lIns="0" tIns="0" rIns="0" bIns="0"/>
-          <a:lstStyle/>
-          <a:p>
-            <a:r>
-              <a:rPr lang="hu-HU" sz="2000" b="0" strike="noStrike" spc="-1">
+            <a:off x="685800" y="4400640"/>
+            <a:ext cx="5486040" cy="3600000"/>
+          </a:xfrm>
+          <a:prstGeom prst="rect">
+            <a:avLst/>
+          </a:prstGeom>
+        </p:spPr>
+        <p:txBody>
+          <a:bodyPr/>
+          <a:lstStyle/>
+          <a:p>
+            <a:pPr marL="216000" indent="-216000">
+              <a:lnSpc>
+                <a:spcPct val="100000"/>
+              </a:lnSpc>
+            </a:pPr>
+            <a:r>
+              <a:rPr lang="hu-HU" sz="2000" b="0" strike="noStrike" spc="-1" dirty="0">
                 <a:latin typeface="Arial"/>
               </a:rPr>
-              <a:t>A projekt alapját egy adatbázis képezi, ahol az adatokat el tudjuk tárolni. Ez azért kell, hogy ne csak manuálisan vagy lokális fileokból lehessen adatokat betölteni az oldalakon megjelenő mezőkbe.</a:t>
-            </a:r>
-          </a:p>
-          <a:p>
-            <a:r>
-              <a:rPr lang="hu-HU" sz="2000" b="0" strike="noStrike" spc="-1">
+              <a:t>Az MVC egy olyan tervezési minta, ami teljes mértékben külön bontja a megjelenítésért szolgáló kódrészletet, attól ami az üzleti logikáért felel.</a:t>
+            </a:r>
+          </a:p>
+          <a:p>
+            <a:pPr marL="216000" indent="-216000">
+              <a:lnSpc>
+                <a:spcPct val="100000"/>
+              </a:lnSpc>
+            </a:pPr>
+            <a:r>
+              <a:rPr lang="hu-HU" sz="2000" b="0" strike="noStrike" spc="-1" dirty="0">
                 <a:latin typeface="Arial"/>
               </a:rPr>
-              <a:t>Az adatbázist létrehozhatjuk automatikusan generálva kódból is, a model fájlok alapján. Ezek után már csak a kapcsolatokat kell kézzel megadni amik a táblák között fennállnak.</a:t>
-            </a:r>
-          </a:p>
-          <a:p>
-            <a:r>
-              <a:rPr lang="hu-HU" sz="2000" b="0" strike="noStrike" spc="-1">
+              <a:t>Az MVC maga három részre bontható, modell, </a:t>
+            </a:r>
+            <a:r>
+              <a:rPr lang="hu-HU" sz="2000" b="0" strike="noStrike" spc="-1" dirty="0" err="1">
                 <a:latin typeface="Arial"/>
               </a:rPr>
-              <a:t>Kezdhetjük az adatbázis készítést manuálisan is SQL kóddal vagy grafikus felülettel és később ebből generálhatunk kódot ha szeretnénk, de az előző megközelítés az egyszerűbb és biztosabb módszer.</a:t>
-            </a:r>
+              <a:t>view</a:t>
+            </a:r>
+            <a:r>
+              <a:rPr lang="hu-HU" sz="2000" b="0" strike="noStrike" spc="-1" dirty="0">
+                <a:latin typeface="Arial"/>
+              </a:rPr>
+              <a:t> ami nézetet jelent és a </a:t>
+            </a:r>
+            <a:r>
+              <a:rPr lang="hu-HU" sz="2000" b="0" strike="noStrike" spc="-1" dirty="0" err="1">
+                <a:latin typeface="Arial"/>
+              </a:rPr>
+              <a:t>controller</a:t>
+            </a:r>
+            <a:r>
+              <a:rPr lang="hu-HU" sz="2000" b="0" strike="noStrike" spc="-1" dirty="0">
+                <a:latin typeface="Arial"/>
+              </a:rPr>
+              <a:t> ami a vezérlő. </a:t>
+            </a:r>
+          </a:p>
+          <a:p>
+            <a:pPr marL="216000" indent="-216000">
+              <a:lnSpc>
+                <a:spcPct val="100000"/>
+              </a:lnSpc>
+            </a:pPr>
+            <a:r>
+              <a:rPr lang="hu-HU" sz="2000" b="0" strike="noStrike" spc="-1" dirty="0">
+                <a:latin typeface="Arial"/>
+              </a:rPr>
+              <a:t>A nézet ahogy a neve is mondja, felel a megjelenítésért, ez az amit a hétköznapi felhasználó lát ha egy weboldalt használ.</a:t>
+            </a:r>
+          </a:p>
+          <a:p>
+            <a:pPr marL="216000" indent="-216000">
+              <a:lnSpc>
+                <a:spcPct val="100000"/>
+              </a:lnSpc>
+            </a:pPr>
+            <a:r>
+              <a:rPr lang="hu-HU" sz="2000" b="0" strike="noStrike" spc="-1" dirty="0">
+                <a:latin typeface="Arial"/>
+              </a:rPr>
+              <a:t>A </a:t>
+            </a:r>
+            <a:r>
+              <a:rPr lang="hu-HU" sz="2000" b="0" strike="noStrike" spc="-1" dirty="0" err="1">
+                <a:latin typeface="Arial"/>
+              </a:rPr>
+              <a:t>Model</a:t>
+            </a:r>
+            <a:r>
+              <a:rPr lang="hu-HU" sz="2000" b="0" strike="noStrike" spc="-1" dirty="0">
+                <a:latin typeface="Arial"/>
+              </a:rPr>
+              <a:t> ami az adattagokat tárolja, és kapcsolatban áll az adatbázisunkkal is.</a:t>
+            </a:r>
+          </a:p>
+          <a:p>
+            <a:pPr marL="216000" indent="-216000">
+              <a:lnSpc>
+                <a:spcPct val="100000"/>
+              </a:lnSpc>
+            </a:pPr>
+            <a:r>
+              <a:rPr lang="hu-HU" sz="2000" b="0" strike="noStrike" spc="-1" dirty="0">
+                <a:latin typeface="Arial"/>
+              </a:rPr>
+              <a:t>A Controller pedig ezt a kettőt köti össze, ha a felhasználó egy új adattagot vesz fel egy táblába, akkor a </a:t>
+            </a:r>
+            <a:r>
+              <a:rPr lang="hu-HU" sz="2000" b="0" strike="noStrike" spc="-1" dirty="0" err="1">
+                <a:latin typeface="Arial"/>
+              </a:rPr>
+              <a:t>controlleren</a:t>
+            </a:r>
+            <a:r>
+              <a:rPr lang="hu-HU" sz="2000" b="0" strike="noStrike" spc="-1" dirty="0">
+                <a:latin typeface="Arial"/>
+              </a:rPr>
+              <a:t> </a:t>
+            </a:r>
+            <a:r>
+              <a:rPr lang="hu-HU" sz="2000" b="0" strike="noStrike" spc="-1" dirty="0" err="1">
+                <a:latin typeface="Arial"/>
+              </a:rPr>
+              <a:t>kereszütl</a:t>
+            </a:r>
+            <a:r>
+              <a:rPr lang="hu-HU" sz="2000" b="0" strike="noStrike" spc="-1" dirty="0">
+                <a:latin typeface="Arial"/>
+              </a:rPr>
+              <a:t> kapja ezt meg a </a:t>
+            </a:r>
+            <a:r>
+              <a:rPr lang="hu-HU" sz="2000" b="0" strike="noStrike" spc="-1" dirty="0" err="1">
+                <a:latin typeface="Arial"/>
+              </a:rPr>
+              <a:t>model</a:t>
+            </a:r>
+            <a:r>
+              <a:rPr lang="hu-HU" sz="2000" b="0" strike="noStrike" spc="-1" dirty="0">
+                <a:latin typeface="Arial"/>
+              </a:rPr>
+              <a:t>, és tárolja el az adatbázisban.</a:t>
+            </a:r>
+          </a:p>
+          <a:p>
+            <a:pPr marL="216000" indent="-216000">
+              <a:lnSpc>
+                <a:spcPct val="100000"/>
+              </a:lnSpc>
+            </a:pPr>
+            <a:r>
+              <a:rPr lang="hu-HU" sz="2000" b="0" strike="noStrike" spc="-1" dirty="0">
+                <a:latin typeface="Arial"/>
+              </a:rPr>
+              <a:t>Ez a fajta rendszer azért hasznos, mert amikor a kinézetet szeretnénk javítani a programkódban, akkor véletlenül sem írunk bele az üzleti logikát tartalmazó kódrészletbe, és külön tudjuk </a:t>
+            </a:r>
+            <a:r>
+              <a:rPr lang="hu-HU" sz="2000" b="0" strike="noStrike" spc="-1" dirty="0" err="1">
+                <a:latin typeface="Arial"/>
+              </a:rPr>
+              <a:t>debugolni</a:t>
+            </a:r>
+            <a:r>
+              <a:rPr lang="hu-HU" sz="2000" b="0" strike="noStrike" spc="-1" dirty="0">
+                <a:latin typeface="Arial"/>
+              </a:rPr>
+              <a:t> ezeket ha valami hiba merül fel.</a:t>
+            </a:r>
+          </a:p>
+          <a:p>
+            <a:pPr marL="216000" indent="-216000">
+              <a:lnSpc>
+                <a:spcPct val="100000"/>
+              </a:lnSpc>
+            </a:pPr>
+            <a:r>
+              <a:rPr lang="hu-HU" sz="2000" b="0" strike="noStrike" spc="-1" dirty="0">
+                <a:latin typeface="Arial"/>
+              </a:rPr>
+              <a:t>Ugyanakkor a kódot is átláthatóbbá teszi, ha valaki már tudja, hogy mit hol keressen. A teljes kódnak csak egy töredékét kell átnézni, ha valamit szerkeszteni szeretnénk és ezt a programban keressük.</a:t>
+            </a:r>
+          </a:p>
+        </p:txBody>
+      </p:sp>
+      <p:sp>
+        <p:nvSpPr>
+          <p:cNvPr id="165" name="TextShape 3"/>
+          <p:cNvSpPr txBox="1"/>
+          <p:nvPr/>
+        </p:nvSpPr>
+        <p:spPr>
+          <a:xfrm>
+            <a:off x="3884760" y="8685360"/>
+            <a:ext cx="2971440" cy="458280"/>
+          </a:xfrm>
+          <a:prstGeom prst="rect">
+            <a:avLst/>
+          </a:prstGeom>
+          <a:noFill/>
+          <a:ln>
+            <a:noFill/>
+          </a:ln>
+        </p:spPr>
+        <p:txBody>
+          <a:bodyPr anchor="b"/>
+          <a:lstStyle/>
+          <a:p>
+            <a:pPr algn="r">
+              <a:lnSpc>
+                <a:spcPct val="100000"/>
+              </a:lnSpc>
+            </a:pPr>
+            <a:fld id="{1F73BB49-5F85-470B-9D66-83AC1C98509B}" type="slidenum">
+              <a:rPr lang="hu-HU" sz="1200" b="0" strike="noStrike" spc="-1">
+                <a:solidFill>
+                  <a:srgbClr val="000000"/>
+                </a:solidFill>
+                <a:latin typeface="+mn-lt"/>
+                <a:ea typeface="+mn-ea"/>
+              </a:rPr>
+              <a:t>6</a:t>
+            </a:fld>
+            <a:endParaRPr lang="hu-HU" sz="1200" b="0" strike="noStrike" spc="-1">
+              <a:latin typeface="Times New Roman"/>
+            </a:endParaRPr>
           </a:p>
         </p:txBody>
       </p:sp>
@@ -1441,7 +1938,7 @@
       </p:grpSpPr>
       <p:sp>
         <p:nvSpPr>
-          <p:cNvPr id="170" name="PlaceHolder 1"/>
+          <p:cNvPr id="166" name="PlaceHolder 1"/>
           <p:cNvSpPr>
             <a:spLocks noGrp="1" noRot="1" noChangeAspect="1"/>
           </p:cNvSpPr>
@@ -1461,7 +1958,7 @@
       </p:sp>
       <p:sp>
         <p:nvSpPr>
-          <p:cNvPr id="171" name="PlaceHolder 2"/>
+          <p:cNvPr id="167" name="PlaceHolder 2"/>
           <p:cNvSpPr>
             <a:spLocks noGrp="1"/>
           </p:cNvSpPr>
@@ -1472,7 +1969,7 @@
         <p:spPr>
           <a:xfrm>
             <a:off x="685800" y="4343400"/>
-            <a:ext cx="5486040" cy="4114440"/>
+            <a:ext cx="5486040" cy="4250160"/>
           </a:xfrm>
           <a:prstGeom prst="rect">
             <a:avLst/>
@@ -1486,7 +1983,7 @@
               <a:rPr lang="hu-HU" sz="2000" b="0" strike="noStrike" spc="-1">
                 <a:latin typeface="Arial"/>
               </a:rPr>
-              <a:t>Itt látható egy foglalás menete, a beszállítani kívánó cég kiválaszt egy dátumot és a telephelyet, ahova be szeretne szállítani.</a:t>
+              <a:t>A projekt alapját egy adatbázis képezi, ahol az adatokat el tudjuk tárolni. Ez azért kell, hogy ne csak manuálisan vagy lokális fileokból lehessen adatokat betölteni az oldalakon megjelenő mezőkbe.</a:t>
             </a:r>
           </a:p>
           <a:p>
@@ -1494,7 +1991,7 @@
               <a:rPr lang="hu-HU" sz="2000" b="0" strike="noStrike" spc="-1">
                 <a:latin typeface="Arial"/>
               </a:rPr>
-              <a:t>Ezután a rendszer kilistázza az arra a napra foglalható időpontokat, a hozzá tartozó megkötésekkel együtt (max kamionok száma, beszállítandó anyagmennyiség tonnában)</a:t>
+              <a:t>Az adatbázist létrehozhatjuk automatikusan generálva kódból is, a model fájlok alapján. Ezek után már csak a kapcsolatokat kell kézzel megadni amik a táblák között fennállnak.</a:t>
             </a:r>
           </a:p>
           <a:p>
@@ -1502,15 +1999,7 @@
               <a:rPr lang="hu-HU" sz="2000" b="0" strike="noStrike" spc="-1">
                 <a:latin typeface="Arial"/>
               </a:rPr>
-              <a:t>Ha találtunk megfeleő időpontot, akkor elküldjük a foglalást, amit a rendszer eltárol az adatbázisban.</a:t>
-            </a:r>
-          </a:p>
-          <a:p>
-            <a:r>
-              <a:rPr lang="hu-HU" sz="2000" b="0" strike="noStrike" spc="-1">
-                <a:latin typeface="Arial"/>
-              </a:rPr>
-              <a:t>Ezt később megtekinthetjük és le is mondhatjuk. </a:t>
+              <a:t>Kezdhetjük az adatbázis készítést manuálisan is SQL kóddal vagy grafikus felülettel és később ebből generálhatunk kódot ha szeretnénk, de az előző megközelítés az egyszerűbb és biztosabb módszer.</a:t>
             </a:r>
           </a:p>
         </p:txBody>
@@ -1542,7 +2031,7 @@
       </p:grpSpPr>
       <p:sp>
         <p:nvSpPr>
-          <p:cNvPr id="172" name="PlaceHolder 1"/>
+          <p:cNvPr id="170" name="PlaceHolder 1"/>
           <p:cNvSpPr>
             <a:spLocks noGrp="1" noRot="1" noChangeAspect="1"/>
           </p:cNvSpPr>
@@ -1562,7 +2051,7 @@
       </p:sp>
       <p:sp>
         <p:nvSpPr>
-          <p:cNvPr id="173" name="PlaceHolder 2"/>
+          <p:cNvPr id="171" name="PlaceHolder 2"/>
           <p:cNvSpPr>
             <a:spLocks noGrp="1"/>
           </p:cNvSpPr>
@@ -1587,7 +2076,7 @@
               <a:rPr lang="hu-HU" sz="2000" b="0" strike="noStrike" spc="-1">
                 <a:latin typeface="Arial"/>
               </a:rPr>
-              <a:t>Az adminisztrátor kezeli a beszállítható anyagokat.</a:t>
+              <a:t>Itt látható egy foglalás menete, a beszállítani kívánó cég kiválaszt egy dátumot és a telephelyet, ahova be szeretne szállítani.</a:t>
             </a:r>
           </a:p>
           <a:p>
@@ -1595,7 +2084,23 @@
               <a:rPr lang="hu-HU" sz="2000" b="0" strike="noStrike" spc="-1">
                 <a:latin typeface="Arial"/>
               </a:rPr>
-              <a:t>Az új anyagokat felveheti a rendszerbe, amihez megadhatja az előfordulható mértékegységeket, szállítási egységeket, és az ehhez tartozó váltószámot(pl.: 1 bála az fél tonnának felel meg)</a:t>
+              <a:t>Ezután a rendszer kilistázza az arra a napra foglalható időpontokat, a hozzá tartozó megkötésekkel együtt (max kamionok száma, beszállítandó anyagmennyiség tonnában)</a:t>
+            </a:r>
+          </a:p>
+          <a:p>
+            <a:r>
+              <a:rPr lang="hu-HU" sz="2000" b="0" strike="noStrike" spc="-1">
+                <a:latin typeface="Arial"/>
+              </a:rPr>
+              <a:t>Ha találtunk megfeleő időpontot, akkor elküldjük a foglalást, amit a rendszer eltárol az adatbázisban.</a:t>
+            </a:r>
+          </a:p>
+          <a:p>
+            <a:r>
+              <a:rPr lang="hu-HU" sz="2000" b="0" strike="noStrike" spc="-1">
+                <a:latin typeface="Arial"/>
+              </a:rPr>
+              <a:t>Ezt később megtekinthetjük és le is mondhatjuk. </a:t>
             </a:r>
           </a:p>
         </p:txBody>
@@ -1627,7 +2132,7 @@
       </p:grpSpPr>
       <p:sp>
         <p:nvSpPr>
-          <p:cNvPr id="174" name="PlaceHolder 1"/>
+          <p:cNvPr id="172" name="PlaceHolder 1"/>
           <p:cNvSpPr>
             <a:spLocks noGrp="1" noRot="1" noChangeAspect="1"/>
           </p:cNvSpPr>
@@ -1647,7 +2152,7 @@
       </p:sp>
       <p:sp>
         <p:nvSpPr>
-          <p:cNvPr id="175" name="PlaceHolder 2"/>
+          <p:cNvPr id="173" name="PlaceHolder 2"/>
           <p:cNvSpPr>
             <a:spLocks noGrp="1"/>
           </p:cNvSpPr>
@@ -1672,7 +2177,7 @@
               <a:rPr lang="hu-HU" sz="2000" b="0" strike="noStrike" spc="-1">
                 <a:latin typeface="Arial"/>
               </a:rPr>
-              <a:t>A rendszergazda szemszögéből így néz ki a telephelyek adatainak szerkesztése, kiválasztja a telephelyet az adatbázisból, az oldal felsorolja a hozzá tartozó adatokat.</a:t>
+              <a:t>Az adminisztrátor kezeli a beszállítható anyagokat.</a:t>
             </a:r>
           </a:p>
           <a:p>
@@ -1680,7 +2185,7 @@
               <a:rPr lang="hu-HU" sz="2000" b="0" strike="noStrike" spc="-1">
                 <a:latin typeface="Arial"/>
               </a:rPr>
-              <a:t>Ezeket a rendszergazda szükség esetén szerkeszthet, majd ha végzett akkor a módosítások mentése gombra kattintva eltárolja ezeket az adatokat.</a:t>
+              <a:t>Az új anyagokat felveheti a rendszerbe, amihez megadhatja az előfordulható mértékegységeket, szállítási egységeket, és az ehhez tartozó váltószámot(pl.: 1 bála az fél tonnának felel meg)</a:t>
             </a:r>
           </a:p>
         </p:txBody>
@@ -4995,7 +5500,7 @@
                 </a:solidFill>
                 <a:latin typeface="Century Gothic"/>
               </a:rPr>
-              <a:t>2018. 11. 25.</a:t>
+              <a:t>2018. 11. 29.</a:t>
             </a:fld>
             <a:endParaRPr lang="hu-HU" sz="825" b="0" strike="noStrike" spc="-1">
               <a:latin typeface="Times New Roman"/>
@@ -6018,7 +6523,7 @@
                 </a:solidFill>
                 <a:latin typeface="Century Gothic"/>
               </a:rPr>
-              <a:t>2018. 11. 25.</a:t>
+              <a:t>2018. 11. 29.</a:t>
             </a:fld>
             <a:endParaRPr lang="hu-HU" sz="825" b="0" strike="noStrike" spc="-1">
               <a:latin typeface="Times New Roman"/>
@@ -6427,7 +6932,7 @@
         </p:nvSpPr>
         <p:spPr>
           <a:xfrm>
-            <a:off x="260280" y="1677510"/>
+            <a:off x="260280" y="1408569"/>
             <a:ext cx="8622450" cy="1390770"/>
           </a:xfrm>
           <a:prstGeom prst="rect">
@@ -6440,7 +6945,7 @@
         </p:spPr>
         <p:txBody>
           <a:bodyPr anchor="ctr">
-            <a:normAutofit/>
+            <a:noAutofit/>
           </a:bodyPr>
           <a:lstStyle/>
           <a:p>
@@ -6450,7 +6955,7 @@
               </a:lnSpc>
             </a:pPr>
             <a:r>
-              <a:rPr lang="hu-HU" sz="3600" spc="-1" dirty="0">
+              <a:rPr lang="hu-HU" sz="4000" spc="-1" dirty="0">
                 <a:solidFill>
                   <a:srgbClr val="E3DED1"/>
                 </a:solidFill>
@@ -6458,7 +6963,7 @@
               </a:rPr>
               <a:t>Időpont foglaló és ütemező rendszer erőmű tüzelőanyag ellátásához</a:t>
             </a:r>
-            <a:endParaRPr lang="hu-HU" sz="3600" spc="-1" dirty="0">
+            <a:endParaRPr lang="hu-HU" sz="4000" spc="-1" dirty="0">
               <a:solidFill>
                 <a:srgbClr val="FFFFFF"/>
               </a:solidFill>
@@ -6518,7 +7023,7 @@
         </p:nvSpPr>
         <p:spPr>
           <a:xfrm>
-            <a:off x="270" y="4343760"/>
+            <a:off x="180" y="4751190"/>
             <a:ext cx="9143820" cy="1256310"/>
           </a:xfrm>
           <a:prstGeom prst="rect">
@@ -6684,14 +7189,77 @@
       </p:grpSpPr>
       <p:sp>
         <p:nvSpPr>
-          <p:cNvPr id="139" name="TextShape 1"/>
+          <p:cNvPr id="2" name="Cím 1">
+            <a:extLst>
+              <a:ext uri="{FF2B5EF4-FFF2-40B4-BE49-F238E27FC236}">
+                <a16:creationId xmlns:a16="http://schemas.microsoft.com/office/drawing/2014/main" id="{032F5842-C983-413C-A665-35238174D121}"/>
+              </a:ext>
+            </a:extLst>
+          </p:cNvPr>
+          <p:cNvSpPr>
+            <a:spLocks noGrp="1"/>
+          </p:cNvSpPr>
+          <p:nvPr>
+            <p:ph type="title"/>
+          </p:nvPr>
+        </p:nvSpPr>
+        <p:spPr>
+          <a:xfrm>
+            <a:off x="236954" y="305206"/>
+            <a:ext cx="7218095" cy="814657"/>
+          </a:xfrm>
+        </p:spPr>
+        <p:txBody>
+          <a:bodyPr anchor="t" anchorCtr="0"/>
+          <a:lstStyle/>
+          <a:p>
+            <a:r>
+              <a:rPr lang="hu-HU" sz="3600" spc="-1" dirty="0">
+                <a:solidFill>
+                  <a:srgbClr val="E3DED1"/>
+                </a:solidFill>
+                <a:latin typeface="Century Gothic"/>
+              </a:rPr>
+              <a:t>Frontend-Backend kapcsolat/</a:t>
+            </a:r>
+            <a:br>
+              <a:rPr lang="hu-HU" sz="3600" spc="-1" dirty="0">
+                <a:solidFill>
+                  <a:srgbClr val="E3DED1"/>
+                </a:solidFill>
+                <a:latin typeface="Century Gothic"/>
+              </a:rPr>
+            </a:br>
+            <a:r>
+              <a:rPr lang="hu-HU" sz="3600" spc="-1" dirty="0">
+                <a:solidFill>
+                  <a:srgbClr val="E3DED1"/>
+                </a:solidFill>
+                <a:latin typeface="Century Gothic"/>
+                <a:ea typeface="+mn-ea"/>
+                <a:cs typeface="+mn-cs"/>
+              </a:rPr>
+              <a:t> Időpontfoglalás</a:t>
+            </a:r>
+          </a:p>
+        </p:txBody>
+      </p:sp>
+      <p:sp>
+        <p:nvSpPr>
+          <p:cNvPr id="8" name="TextShape 2">
+            <a:extLst>
+              <a:ext uri="{FF2B5EF4-FFF2-40B4-BE49-F238E27FC236}">
+                <a16:creationId xmlns:a16="http://schemas.microsoft.com/office/drawing/2014/main" id="{03389B60-5A7F-48B8-8067-7C554B57C3EB}"/>
+              </a:ext>
+            </a:extLst>
+          </p:cNvPr>
           <p:cNvSpPr txBox="1"/>
           <p:nvPr/>
         </p:nvSpPr>
         <p:spPr>
           <a:xfrm>
-            <a:off x="210641" y="287194"/>
-            <a:ext cx="8507845" cy="1108620"/>
+            <a:off x="7678059" y="544493"/>
+            <a:ext cx="809725" cy="575370"/>
           </a:xfrm>
           <a:prstGeom prst="rect">
             <a:avLst/>
@@ -6702,51 +7270,35 @@
           </a:ln>
         </p:spPr>
         <p:txBody>
-          <a:bodyPr>
-            <a:noAutofit/>
+          <a:bodyPr anchor="b">
+            <a:normAutofit/>
           </a:bodyPr>
           <a:lstStyle/>
           <a:p>
-            <a:pPr>
+            <a:pPr algn="ctr">
               <a:lnSpc>
                 <a:spcPct val="100000"/>
               </a:lnSpc>
             </a:pPr>
-            <a:r>
-              <a:rPr lang="hu-HU" sz="3200" spc="-1" dirty="0">
-                <a:solidFill>
-                  <a:srgbClr val="E3DED1"/>
-                </a:solidFill>
-                <a:latin typeface="Century Gothic"/>
-              </a:rPr>
-              <a:t>Rendszer működése – </a:t>
-            </a:r>
-            <a:r>
-              <a:rPr lang="hu-HU" sz="3200" spc="-1" dirty="0">
-                <a:solidFill>
-                  <a:srgbClr val="E3DED1"/>
-                </a:solidFill>
-                <a:latin typeface="Century Gothic"/>
-              </a:rPr>
-              <a:t>Adminisztrátor/</a:t>
-            </a:r>
-          </a:p>
-          <a:p>
-            <a:pPr>
-              <a:lnSpc>
-                <a:spcPct val="100000"/>
-              </a:lnSpc>
-            </a:pPr>
-            <a:r>
-              <a:rPr lang="hu-HU" sz="3200" spc="-1" dirty="0">
-                <a:solidFill>
-                  <a:srgbClr val="E3DED1"/>
-                </a:solidFill>
-                <a:latin typeface="Century Gothic"/>
-              </a:rPr>
-              <a:t>Anyagok</a:t>
-            </a:r>
-            <a:endParaRPr lang="hu-HU" sz="3200" spc="-1" dirty="0">
+            <a:fld id="{B7FEE3B7-5980-4B79-9992-7CE0EBDE4521}" type="slidenum">
+              <a:rPr lang="hu-HU" sz="1350" spc="-1">
+                <a:solidFill>
+                  <a:srgbClr val="FFFFFF"/>
+                </a:solidFill>
+                <a:latin typeface="Century Gothic"/>
+              </a:rPr>
+              <a:t>10</a:t>
+            </a:fld>
+            <a:r>
+              <a:rPr lang="hu-HU" sz="1350" spc="-1" dirty="0">
+                <a:solidFill>
+                  <a:srgbClr val="FFFFFF"/>
+                </a:solidFill>
+                <a:latin typeface="Century Gothic"/>
+              </a:rPr>
+              <a:t>/13</a:t>
+            </a:r>
+            <a:endParaRPr lang="hu-HU" sz="1350" spc="-1" dirty="0">
               <a:solidFill>
                 <a:srgbClr val="FFFFFF"/>
               </a:solidFill>
@@ -6755,82 +7307,267 @@
           </a:p>
         </p:txBody>
       </p:sp>
-      <p:sp>
-        <p:nvSpPr>
-          <p:cNvPr id="140" name="TextShape 2"/>
-          <p:cNvSpPr txBox="1"/>
-          <p:nvPr/>
-        </p:nvSpPr>
-        <p:spPr>
-          <a:xfrm>
-            <a:off x="7710350" y="553819"/>
-            <a:ext cx="736100" cy="575370"/>
-          </a:xfrm>
-          <a:prstGeom prst="rect">
-            <a:avLst/>
-          </a:prstGeom>
-          <a:noFill/>
-          <a:ln>
-            <a:noFill/>
-          </a:ln>
-        </p:spPr>
-        <p:txBody>
-          <a:bodyPr anchor="b">
-            <a:normAutofit/>
-          </a:bodyPr>
-          <a:lstStyle/>
-          <a:p>
-            <a:pPr algn="ctr">
-              <a:lnSpc>
-                <a:spcPct val="100000"/>
-              </a:lnSpc>
-            </a:pPr>
-            <a:fld id="{9A9714C5-5DA9-474A-B5D1-1F1380A1493B}" type="slidenum">
-              <a:rPr lang="hu-HU" sz="1350" spc="-1">
-                <a:solidFill>
-                  <a:srgbClr val="FFFFFF"/>
-                </a:solidFill>
-                <a:latin typeface="Century Gothic"/>
-              </a:rPr>
-              <a:t>10</a:t>
-            </a:fld>
-            <a:r>
-              <a:rPr lang="hu-HU" sz="1350" spc="-1" dirty="0">
-                <a:solidFill>
-                  <a:srgbClr val="FFFFFF"/>
-                </a:solidFill>
-                <a:latin typeface="Century Gothic"/>
-              </a:rPr>
-              <a:t>/12</a:t>
-            </a:r>
-          </a:p>
-        </p:txBody>
-      </p:sp>
       <p:pic>
         <p:nvPicPr>
-          <p:cNvPr id="141" name="Kép 140"/>
-          <p:cNvPicPr/>
+          <p:cNvPr id="3" name="Kép 2"/>
+          <p:cNvPicPr>
+            <a:picLocks noChangeAspect="1"/>
+          </p:cNvPicPr>
+          <p:nvPr/>
+        </p:nvPicPr>
+        <p:blipFill>
+          <a:blip r:embed="rId2"/>
+          <a:stretch>
+            <a:fillRect/>
+          </a:stretch>
+        </p:blipFill>
+        <p:spPr>
+          <a:xfrm>
+            <a:off x="78115" y="1434807"/>
+            <a:ext cx="5235339" cy="1541915"/>
+          </a:xfrm>
+          <a:prstGeom prst="rect">
+            <a:avLst/>
+          </a:prstGeom>
+        </p:spPr>
+      </p:pic>
+      <p:pic>
+        <p:nvPicPr>
+          <p:cNvPr id="5" name="Kép 4"/>
+          <p:cNvPicPr>
+            <a:picLocks noChangeAspect="1"/>
+          </p:cNvPicPr>
           <p:nvPr/>
         </p:nvPicPr>
         <p:blipFill>
           <a:blip r:embed="rId3"/>
-          <a:srcRect r="14368"/>
-          <a:stretch/>
+          <a:stretch>
+            <a:fillRect/>
+          </a:stretch>
         </p:blipFill>
         <p:spPr>
           <a:xfrm>
-            <a:off x="380508" y="2190231"/>
-            <a:ext cx="8428513" cy="3785056"/>
-          </a:xfrm>
-          <a:prstGeom prst="rect">
-            <a:avLst/>
-          </a:prstGeom>
+            <a:off x="95909" y="4853588"/>
+            <a:ext cx="4572407" cy="1428878"/>
+          </a:xfrm>
+          <a:prstGeom prst="rect">
+            <a:avLst/>
+          </a:prstGeom>
+        </p:spPr>
+      </p:pic>
+      <p:pic>
+        <p:nvPicPr>
+          <p:cNvPr id="6" name="Kép 5"/>
+          <p:cNvPicPr>
+            <a:picLocks noChangeAspect="1"/>
+          </p:cNvPicPr>
+          <p:nvPr/>
+        </p:nvPicPr>
+        <p:blipFill>
+          <a:blip r:embed="rId4"/>
+          <a:stretch>
+            <a:fillRect/>
+          </a:stretch>
+        </p:blipFill>
+        <p:spPr>
+          <a:xfrm>
+            <a:off x="4759331" y="3087875"/>
+            <a:ext cx="4235196" cy="2030028"/>
+          </a:xfrm>
+          <a:prstGeom prst="rect">
+            <a:avLst/>
+          </a:prstGeom>
+        </p:spPr>
+      </p:pic>
+      <p:sp>
+        <p:nvSpPr>
+          <p:cNvPr id="9" name="Jobbra nyíl 8"/>
+          <p:cNvSpPr/>
+          <p:nvPr/>
+        </p:nvSpPr>
+        <p:spPr>
+          <a:xfrm rot="913306">
+            <a:off x="2822267" y="2944965"/>
+            <a:ext cx="1928388" cy="323761"/>
+          </a:xfrm>
+          <a:prstGeom prst="rightArrow">
+            <a:avLst/>
+          </a:prstGeom>
+          <a:solidFill>
+            <a:schemeClr val="accent2">
+              <a:lumMod val="60000"/>
+              <a:lumOff val="40000"/>
+            </a:schemeClr>
+          </a:solidFill>
           <a:ln>
-            <a:noFill/>
+            <a:solidFill>
+              <a:schemeClr val="bg1">
+                <a:lumMod val="50000"/>
+              </a:schemeClr>
+            </a:solidFill>
           </a:ln>
         </p:spPr>
+        <p:style>
+          <a:lnRef idx="2">
+            <a:schemeClr val="accent1">
+              <a:shade val="50000"/>
+            </a:schemeClr>
+          </a:lnRef>
+          <a:fillRef idx="1">
+            <a:schemeClr val="accent1"/>
+          </a:fillRef>
+          <a:effectRef idx="0">
+            <a:schemeClr val="accent1"/>
+          </a:effectRef>
+          <a:fontRef idx="minor">
+            <a:schemeClr val="lt1"/>
+          </a:fontRef>
+        </p:style>
+        <p:txBody>
+          <a:bodyPr rtlCol="0" anchor="ctr"/>
+          <a:lstStyle/>
+          <a:p>
+            <a:pPr algn="ctr"/>
+            <a:endParaRPr lang="hu-HU" sz="1350"/>
+          </a:p>
+        </p:txBody>
+      </p:sp>
+      <p:sp>
+        <p:nvSpPr>
+          <p:cNvPr id="10" name="Jobbra nyíl 9"/>
+          <p:cNvSpPr/>
+          <p:nvPr/>
+        </p:nvSpPr>
+        <p:spPr>
+          <a:xfrm rot="10439045">
+            <a:off x="2665740" y="4755979"/>
+            <a:ext cx="2232818" cy="312879"/>
+          </a:xfrm>
+          <a:prstGeom prst="rightArrow">
+            <a:avLst/>
+          </a:prstGeom>
+          <a:solidFill>
+            <a:schemeClr val="accent2">
+              <a:lumMod val="60000"/>
+              <a:lumOff val="40000"/>
+            </a:schemeClr>
+          </a:solidFill>
+          <a:ln>
+            <a:solidFill>
+              <a:schemeClr val="bg1">
+                <a:lumMod val="65000"/>
+              </a:schemeClr>
+            </a:solidFill>
+          </a:ln>
+        </p:spPr>
+        <p:style>
+          <a:lnRef idx="2">
+            <a:schemeClr val="accent1">
+              <a:shade val="50000"/>
+            </a:schemeClr>
+          </a:lnRef>
+          <a:fillRef idx="1">
+            <a:schemeClr val="accent1"/>
+          </a:fillRef>
+          <a:effectRef idx="0">
+            <a:schemeClr val="accent1"/>
+          </a:effectRef>
+          <a:fontRef idx="minor">
+            <a:schemeClr val="lt1"/>
+          </a:fontRef>
+        </p:style>
+        <p:txBody>
+          <a:bodyPr rtlCol="0" anchor="ctr"/>
+          <a:lstStyle/>
+          <a:p>
+            <a:pPr algn="ctr"/>
+            <a:endParaRPr lang="hu-HU" sz="1350"/>
+          </a:p>
+        </p:txBody>
+      </p:sp>
+      <p:pic>
+        <p:nvPicPr>
+          <p:cNvPr id="12" name="Kép 11"/>
+          <p:cNvPicPr>
+            <a:picLocks noChangeAspect="1"/>
+          </p:cNvPicPr>
+          <p:nvPr/>
+        </p:nvPicPr>
+        <p:blipFill>
+          <a:blip r:embed="rId5"/>
+          <a:stretch>
+            <a:fillRect/>
+          </a:stretch>
+        </p:blipFill>
+        <p:spPr>
+          <a:xfrm>
+            <a:off x="4908804" y="5451814"/>
+            <a:ext cx="4085723" cy="1194435"/>
+          </a:xfrm>
+          <a:prstGeom prst="rect">
+            <a:avLst/>
+          </a:prstGeom>
+        </p:spPr>
       </p:pic>
+      <p:sp>
+        <p:nvSpPr>
+          <p:cNvPr id="13" name="Jobbra nyíl 12"/>
+          <p:cNvSpPr/>
+          <p:nvPr/>
+        </p:nvSpPr>
+        <p:spPr>
+          <a:xfrm rot="986507">
+            <a:off x="4113816" y="5638599"/>
+            <a:ext cx="2245323" cy="265643"/>
+          </a:xfrm>
+          <a:prstGeom prst="rightArrow">
+            <a:avLst/>
+          </a:prstGeom>
+          <a:solidFill>
+            <a:schemeClr val="accent2">
+              <a:lumMod val="60000"/>
+              <a:lumOff val="40000"/>
+            </a:schemeClr>
+          </a:solidFill>
+          <a:ln>
+            <a:solidFill>
+              <a:schemeClr val="bg1">
+                <a:lumMod val="75000"/>
+              </a:schemeClr>
+            </a:solidFill>
+          </a:ln>
+        </p:spPr>
+        <p:style>
+          <a:lnRef idx="2">
+            <a:schemeClr val="accent1">
+              <a:shade val="50000"/>
+            </a:schemeClr>
+          </a:lnRef>
+          <a:fillRef idx="1">
+            <a:schemeClr val="accent1"/>
+          </a:fillRef>
+          <a:effectRef idx="0">
+            <a:schemeClr val="accent1"/>
+          </a:effectRef>
+          <a:fontRef idx="minor">
+            <a:schemeClr val="lt1"/>
+          </a:fontRef>
+        </p:style>
+        <p:txBody>
+          <a:bodyPr rtlCol="0" anchor="ctr"/>
+          <a:lstStyle/>
+          <a:p>
+            <a:pPr algn="ctr"/>
+            <a:endParaRPr lang="hu-HU" sz="1350"/>
+          </a:p>
+        </p:txBody>
+      </p:sp>
     </p:spTree>
+    <p:extLst>
+      <p:ext uri="{BB962C8B-B14F-4D97-AF65-F5344CB8AC3E}">
+        <p14:creationId xmlns:p14="http://schemas.microsoft.com/office/powerpoint/2010/main" val="2885968477"/>
+      </p:ext>
+    </p:extLst>
   </p:cSld>
   <p:clrMapOvr>
     <a:masterClrMapping/>
@@ -6838,27 +7575,7 @@
   <p:timing>
     <p:tnLst>
       <p:par>
-        <p:cTn id="1" dur="indefinite" restart="never" nodeType="tmRoot">
-          <p:childTnLst>
-            <p:seq>
-              <p:cTn id="2" dur="indefinite" nodeType="mainSeq"/>
-              <p:prevCondLst>
-                <p:cond evt="onPrev" delay="0">
-                  <p:tgtEl>
-                    <p:sldTgt/>
-                  </p:tgtEl>
-                </p:cond>
-              </p:prevCondLst>
-              <p:nextCondLst>
-                <p:cond evt="onNext" delay="0">
-                  <p:tgtEl>
-                    <p:sldTgt/>
-                  </p:tgtEl>
-                </p:cond>
-              </p:nextCondLst>
-            </p:seq>
-          </p:childTnLst>
-        </p:cTn>
+        <p:cTn id="1" dur="indefinite" restart="never" nodeType="tmRoot"/>
       </p:par>
     </p:tnLst>
   </p:timing>
@@ -6884,14 +7601,14 @@
       </p:grpSpPr>
       <p:sp>
         <p:nvSpPr>
-          <p:cNvPr id="142" name="TextShape 1"/>
+          <p:cNvPr id="139" name="TextShape 1"/>
           <p:cNvSpPr txBox="1"/>
           <p:nvPr/>
         </p:nvSpPr>
         <p:spPr>
           <a:xfrm>
-            <a:off x="165783" y="218545"/>
-            <a:ext cx="7908031" cy="1050030"/>
+            <a:off x="0" y="354687"/>
+            <a:ext cx="7768170" cy="1108620"/>
           </a:xfrm>
           <a:prstGeom prst="rect">
             <a:avLst/>
@@ -6902,7 +7619,9 @@
           </a:ln>
         </p:spPr>
         <p:txBody>
-          <a:bodyPr/>
+          <a:bodyPr>
+            <a:noAutofit/>
+          </a:bodyPr>
           <a:lstStyle/>
           <a:p>
             <a:pPr>
@@ -6919,6 +7638,28 @@
               </a:rPr>
               <a:t>Rendszer működése – </a:t>
             </a:r>
+            <a:endParaRPr lang="hu-HU" sz="3600" spc="-1" dirty="0" smtClean="0">
+              <a:solidFill>
+                <a:srgbClr val="E3DED1"/>
+              </a:solidFill>
+              <a:latin typeface="Century Gothic"/>
+            </a:endParaRPr>
+          </a:p>
+          <a:p>
+            <a:pPr>
+              <a:lnSpc>
+                <a:spcPct val="100000"/>
+              </a:lnSpc>
+            </a:pPr>
+            <a:r>
+              <a:rPr lang="hu-HU" sz="3600" spc="-1" dirty="0" smtClean="0">
+                <a:solidFill>
+                  <a:srgbClr val="E3DED1"/>
+                </a:solidFill>
+                <a:latin typeface="Century Gothic"/>
+              </a:rPr>
+              <a:t>Anyagok </a:t>
+            </a:r>
             <a:r>
               <a:rPr lang="hu-HU" sz="3600" spc="-1" dirty="0">
                 <a:solidFill>
@@ -6926,7 +7667,7 @@
                 </a:solidFill>
                 <a:latin typeface="Century Gothic"/>
               </a:rPr>
-              <a:t>Telephelyek</a:t>
+              <a:t>kezelése</a:t>
             </a:r>
             <a:endParaRPr lang="hu-HU" sz="3600" spc="-1" dirty="0">
               <a:solidFill>
@@ -6939,14 +7680,14 @@
       </p:sp>
       <p:sp>
         <p:nvSpPr>
-          <p:cNvPr id="143" name="TextShape 2"/>
+          <p:cNvPr id="140" name="TextShape 2"/>
           <p:cNvSpPr txBox="1"/>
           <p:nvPr/>
         </p:nvSpPr>
         <p:spPr>
           <a:xfrm>
-            <a:off x="7700745" y="575977"/>
-            <a:ext cx="746138" cy="575370"/>
+            <a:off x="7591998" y="541038"/>
+            <a:ext cx="949574" cy="575370"/>
           </a:xfrm>
           <a:prstGeom prst="rect">
             <a:avLst/>
@@ -6957,7 +7698,9 @@
           </a:ln>
         </p:spPr>
         <p:txBody>
-          <a:bodyPr anchor="b"/>
+          <a:bodyPr anchor="b">
+            <a:normAutofit/>
+          </a:bodyPr>
           <a:lstStyle/>
           <a:p>
             <a:pPr algn="ctr">
@@ -6965,7 +7708,7 @@
                 <a:spcPct val="100000"/>
               </a:lnSpc>
             </a:pPr>
-            <a:fld id="{B09A7838-86B2-4B4F-8F74-2E74C3AEC656}" type="slidenum">
+            <a:fld id="{9A9714C5-5DA9-474A-B5D1-1F1380A1493B}" type="slidenum">
               <a:rPr lang="hu-HU" sz="1350" spc="-1">
                 <a:solidFill>
                   <a:srgbClr val="FFFFFF"/>
@@ -6988,26 +7731,26 @@
       </p:sp>
       <p:pic>
         <p:nvPicPr>
-          <p:cNvPr id="144" name="Kép 143"/>
-          <p:cNvPicPr/>
+          <p:cNvPr id="4" name="Kép 3"/>
+          <p:cNvPicPr>
+            <a:picLocks noChangeAspect="1"/>
+          </p:cNvPicPr>
           <p:nvPr/>
         </p:nvPicPr>
         <p:blipFill>
           <a:blip r:embed="rId3"/>
-          <a:srcRect l="15353" t="13729" r="15356"/>
-          <a:stretch/>
+          <a:stretch>
+            <a:fillRect/>
+          </a:stretch>
         </p:blipFill>
         <p:spPr>
           <a:xfrm>
-            <a:off x="968570" y="1151347"/>
-            <a:ext cx="7224665" cy="5285666"/>
-          </a:xfrm>
-          <a:prstGeom prst="rect">
-            <a:avLst/>
-          </a:prstGeom>
-          <a:ln>
-            <a:noFill/>
-          </a:ln>
+            <a:off x="140838" y="2338382"/>
+            <a:ext cx="8863720" cy="3771962"/>
+          </a:xfrm>
+          <a:prstGeom prst="rect">
+            <a:avLst/>
+          </a:prstGeom>
         </p:spPr>
       </p:pic>
     </p:spTree>
@@ -7064,13 +7807,202 @@
       </p:grpSpPr>
       <p:sp>
         <p:nvSpPr>
+          <p:cNvPr id="142" name="TextShape 1"/>
+          <p:cNvSpPr txBox="1"/>
+          <p:nvPr/>
+        </p:nvSpPr>
+        <p:spPr>
+          <a:xfrm>
+            <a:off x="170234" y="316575"/>
+            <a:ext cx="7908031" cy="1050030"/>
+          </a:xfrm>
+          <a:prstGeom prst="rect">
+            <a:avLst/>
+          </a:prstGeom>
+          <a:noFill/>
+          <a:ln>
+            <a:noFill/>
+          </a:ln>
+        </p:spPr>
+        <p:txBody>
+          <a:bodyPr/>
+          <a:lstStyle/>
+          <a:p>
+            <a:pPr>
+              <a:lnSpc>
+                <a:spcPct val="100000"/>
+              </a:lnSpc>
+            </a:pPr>
+            <a:r>
+              <a:rPr lang="hu-HU" sz="3600" spc="-1" dirty="0">
+                <a:solidFill>
+                  <a:srgbClr val="E3DED1"/>
+                </a:solidFill>
+                <a:latin typeface="Century Gothic"/>
+              </a:rPr>
+              <a:t>Rendszer működése – Telephelyek</a:t>
+            </a:r>
+            <a:endParaRPr lang="hu-HU" sz="3600" spc="-1" dirty="0">
+              <a:solidFill>
+                <a:srgbClr val="FFFFFF"/>
+              </a:solidFill>
+              <a:latin typeface="Century Gothic"/>
+            </a:endParaRPr>
+          </a:p>
+        </p:txBody>
+      </p:sp>
+      <p:sp>
+        <p:nvSpPr>
+          <p:cNvPr id="143" name="TextShape 2"/>
+          <p:cNvSpPr txBox="1"/>
+          <p:nvPr/>
+        </p:nvSpPr>
+        <p:spPr>
+          <a:xfrm>
+            <a:off x="7667301" y="553905"/>
+            <a:ext cx="821928" cy="575370"/>
+          </a:xfrm>
+          <a:prstGeom prst="rect">
+            <a:avLst/>
+          </a:prstGeom>
+          <a:noFill/>
+          <a:ln>
+            <a:noFill/>
+          </a:ln>
+        </p:spPr>
+        <p:txBody>
+          <a:bodyPr anchor="b"/>
+          <a:lstStyle/>
+          <a:p>
+            <a:pPr algn="ctr">
+              <a:lnSpc>
+                <a:spcPct val="100000"/>
+              </a:lnSpc>
+            </a:pPr>
+            <a:fld id="{B09A7838-86B2-4B4F-8F74-2E74C3AEC656}" type="slidenum">
+              <a:rPr lang="hu-HU" sz="1350" spc="-1">
+                <a:solidFill>
+                  <a:srgbClr val="FFFFFF"/>
+                </a:solidFill>
+                <a:latin typeface="Century Gothic"/>
+              </a:rPr>
+              <a:t>12</a:t>
+            </a:fld>
+            <a:r>
+              <a:rPr lang="hu-HU" sz="1350" spc="-1" dirty="0">
+                <a:solidFill>
+                  <a:srgbClr val="FFFFFF"/>
+                </a:solidFill>
+                <a:latin typeface="Century Gothic"/>
+              </a:rPr>
+              <a:t>/13</a:t>
+            </a:r>
+            <a:endParaRPr lang="hu-HU" sz="1350" spc="-1" dirty="0">
+              <a:solidFill>
+                <a:srgbClr val="FFFFFF"/>
+              </a:solidFill>
+              <a:latin typeface="Century Gothic"/>
+            </a:endParaRPr>
+          </a:p>
+        </p:txBody>
+      </p:sp>
+      <p:pic>
+        <p:nvPicPr>
+          <p:cNvPr id="3" name="Kép 2">
+            <a:extLst>
+              <a:ext uri="{FF2B5EF4-FFF2-40B4-BE49-F238E27FC236}">
+                <a16:creationId xmlns:a16="http://schemas.microsoft.com/office/drawing/2014/main" id="{B1AACEE3-C85A-45CA-8B20-A39CE044A452}"/>
+              </a:ext>
+            </a:extLst>
+          </p:cNvPr>
+          <p:cNvPicPr>
+            <a:picLocks noChangeAspect="1"/>
+          </p:cNvPicPr>
+          <p:nvPr/>
+        </p:nvPicPr>
+        <p:blipFill>
+          <a:blip r:embed="rId3">
+            <a:extLst>
+              <a:ext uri="{28A0092B-C50C-407E-A947-70E740481C1C}">
+                <a14:useLocalDpi xmlns:a14="http://schemas.microsoft.com/office/drawing/2010/main" val="0"/>
+              </a:ext>
+            </a:extLst>
+          </a:blip>
+          <a:stretch>
+            <a:fillRect/>
+          </a:stretch>
+        </p:blipFill>
+        <p:spPr>
+          <a:xfrm>
+            <a:off x="769485" y="1215335"/>
+            <a:ext cx="7719744" cy="5400617"/>
+          </a:xfrm>
+          <a:prstGeom prst="rect">
+            <a:avLst/>
+          </a:prstGeom>
+        </p:spPr>
+      </p:pic>
+    </p:spTree>
+  </p:cSld>
+  <p:clrMapOvr>
+    <a:masterClrMapping/>
+  </p:clrMapOvr>
+  <p:timing>
+    <p:tnLst>
+      <p:par>
+        <p:cTn id="1" dur="indefinite" restart="never" nodeType="tmRoot">
+          <p:childTnLst>
+            <p:seq>
+              <p:cTn id="2" dur="indefinite" nodeType="mainSeq"/>
+              <p:prevCondLst>
+                <p:cond evt="onPrev" delay="0">
+                  <p:tgtEl>
+                    <p:sldTgt/>
+                  </p:tgtEl>
+                </p:cond>
+              </p:prevCondLst>
+              <p:nextCondLst>
+                <p:cond evt="onNext" delay="0">
+                  <p:tgtEl>
+                    <p:sldTgt/>
+                  </p:tgtEl>
+                </p:cond>
+              </p:nextCondLst>
+            </p:seq>
+          </p:childTnLst>
+        </p:cTn>
+      </p:par>
+    </p:tnLst>
+  </p:timing>
+</p:sld>
+</file>
+
+<file path=ppt/slides/slide13.xml><?xml version="1.0" encoding="utf-8"?>
+<p:sld xmlns:a="http://schemas.openxmlformats.org/drawingml/2006/main" xmlns:r="http://schemas.openxmlformats.org/officeDocument/2006/relationships" xmlns:p="http://schemas.openxmlformats.org/presentationml/2006/main">
+  <p:cSld>
+    <p:spTree>
+      <p:nvGrpSpPr>
+        <p:cNvPr id="1" name=""/>
+        <p:cNvGrpSpPr/>
+        <p:nvPr/>
+      </p:nvGrpSpPr>
+      <p:grpSpPr>
+        <a:xfrm>
+          <a:off x="0" y="0"/>
+          <a:ext cx="0" cy="0"/>
+          <a:chOff x="0" y="0"/>
+          <a:chExt cx="0" cy="0"/>
+        </a:xfrm>
+      </p:grpSpPr>
+      <p:sp>
+        <p:nvSpPr>
           <p:cNvPr id="145" name="TextShape 1"/>
           <p:cNvSpPr txBox="1"/>
           <p:nvPr/>
         </p:nvSpPr>
         <p:spPr>
           <a:xfrm>
-            <a:off x="765475" y="28890"/>
+            <a:off x="397916" y="28890"/>
             <a:ext cx="7053210" cy="1050030"/>
           </a:xfrm>
           <a:prstGeom prst="rect">
@@ -7116,8 +8048,8 @@
         </p:nvSpPr>
         <p:spPr>
           <a:xfrm>
-            <a:off x="484817" y="1697063"/>
-            <a:ext cx="8360418" cy="4538280"/>
+            <a:off x="397916" y="1873183"/>
+            <a:ext cx="3882725" cy="3445232"/>
           </a:xfrm>
           <a:prstGeom prst="rect">
             <a:avLst/>
@@ -7129,7 +8061,7 @@
         </p:spPr>
         <p:txBody>
           <a:bodyPr>
-            <a:normAutofit fontScale="92500"/>
+            <a:normAutofit/>
           </a:bodyPr>
           <a:lstStyle/>
           <a:p>
@@ -7145,15 +8077,264 @@
               <a:buChar char=""/>
             </a:pPr>
             <a:r>
-              <a:rPr lang="hu-HU" sz="2200" spc="-1" dirty="0">
+              <a:rPr lang="hu-HU" sz="2000" spc="-1" dirty="0">
                 <a:solidFill>
                   <a:srgbClr val="FFFFFF"/>
                 </a:solidFill>
                 <a:latin typeface="Century Gothic"/>
               </a:rPr>
-              <a:t>Telephelyeken felmerülő beszállítással kapcsolatos problémák</a:t>
-            </a:r>
-          </a:p>
+              <a:t>Elért eredmények</a:t>
+            </a:r>
+          </a:p>
+          <a:p>
+            <a:pPr marL="600345" lvl="1" indent="-257175">
+              <a:spcBef>
+                <a:spcPts val="751"/>
+              </a:spcBef>
+              <a:buClr>
+                <a:srgbClr val="AFC5B9"/>
+              </a:buClr>
+              <a:buSzPct val="80000"/>
+              <a:buFont typeface="Wingdings" panose="05000000000000000000" pitchFamily="2" charset="2"/>
+              <a:buChar char="§"/>
+            </a:pPr>
+            <a:r>
+              <a:rPr lang="hu-HU" spc="-1" dirty="0">
+                <a:solidFill>
+                  <a:srgbClr val="FFFFFF"/>
+                </a:solidFill>
+                <a:latin typeface="Century Gothic"/>
+              </a:rPr>
+              <a:t>erőművekben felmerülő probléma megoldása</a:t>
+            </a:r>
+          </a:p>
+          <a:p>
+            <a:pPr marL="600345" lvl="1" indent="-257175">
+              <a:spcBef>
+                <a:spcPts val="751"/>
+              </a:spcBef>
+              <a:buClr>
+                <a:srgbClr val="AFC5B9"/>
+              </a:buClr>
+              <a:buSzPct val="80000"/>
+              <a:buFont typeface="Wingdings" panose="05000000000000000000" pitchFamily="2" charset="2"/>
+              <a:buChar char="§"/>
+            </a:pPr>
+            <a:r>
+              <a:rPr lang="hu-HU" spc="-1" dirty="0">
+                <a:solidFill>
+                  <a:srgbClr val="FFFFFF"/>
+                </a:solidFill>
+                <a:latin typeface="Century Gothic"/>
+              </a:rPr>
+              <a:t>ASP.NET-ben készült webes alkalmazás</a:t>
+            </a:r>
+          </a:p>
+          <a:p>
+            <a:pPr marL="600345" lvl="1" indent="-257175">
+              <a:spcBef>
+                <a:spcPts val="751"/>
+              </a:spcBef>
+              <a:buClr>
+                <a:srgbClr val="AFC5B9"/>
+              </a:buClr>
+              <a:buSzPct val="80000"/>
+              <a:buFont typeface="Wingdings" panose="05000000000000000000" pitchFamily="2" charset="2"/>
+              <a:buChar char="§"/>
+            </a:pPr>
+            <a:r>
+              <a:rPr lang="hu-HU" spc="-1" dirty="0">
+                <a:solidFill>
+                  <a:srgbClr val="FFFFFF"/>
+                </a:solidFill>
+                <a:latin typeface="Century Gothic"/>
+              </a:rPr>
+              <a:t>időpontok kiírása és azok lefoglalása</a:t>
+            </a:r>
+          </a:p>
+          <a:p>
+            <a:pPr marL="600345" lvl="1" indent="-257175">
+              <a:spcBef>
+                <a:spcPts val="751"/>
+              </a:spcBef>
+              <a:buClr>
+                <a:srgbClr val="AFC5B9"/>
+              </a:buClr>
+              <a:buSzPct val="80000"/>
+              <a:buFont typeface="Wingdings" panose="05000000000000000000" pitchFamily="2" charset="2"/>
+              <a:buChar char="§"/>
+            </a:pPr>
+            <a:r>
+              <a:rPr lang="hu-HU" spc="-1" dirty="0">
+                <a:solidFill>
+                  <a:srgbClr val="FFFFFF"/>
+                </a:solidFill>
+                <a:latin typeface="Century Gothic"/>
+              </a:rPr>
+              <a:t>több elérhető szerepkör</a:t>
+            </a:r>
+            <a:endParaRPr lang="en-US" spc="-1" dirty="0">
+              <a:solidFill>
+                <a:srgbClr val="FFFFFF"/>
+              </a:solidFill>
+              <a:latin typeface="Century Gothic"/>
+            </a:endParaRPr>
+          </a:p>
+          <a:p>
+            <a:pPr marL="405000" lvl="1">
+              <a:spcBef>
+                <a:spcPts val="851"/>
+              </a:spcBef>
+              <a:buClr>
+                <a:srgbClr val="000000"/>
+              </a:buClr>
+              <a:buSzPct val="45000"/>
+            </a:pPr>
+            <a:endParaRPr lang="hu-HU" sz="1500" spc="-1" dirty="0">
+              <a:solidFill>
+                <a:srgbClr val="FFFFFF"/>
+              </a:solidFill>
+              <a:latin typeface="Century Gothic"/>
+            </a:endParaRPr>
+          </a:p>
+          <a:p>
+            <a:pPr>
+              <a:spcBef>
+                <a:spcPts val="751"/>
+              </a:spcBef>
+            </a:pPr>
+            <a:endParaRPr lang="hu-HU" sz="1500" spc="-1" dirty="0">
+              <a:solidFill>
+                <a:srgbClr val="FFFFFF"/>
+              </a:solidFill>
+              <a:latin typeface="Century Gothic"/>
+            </a:endParaRPr>
+          </a:p>
+          <a:p>
+            <a:pPr>
+              <a:spcBef>
+                <a:spcPts val="751"/>
+              </a:spcBef>
+            </a:pPr>
+            <a:endParaRPr lang="hu-HU" sz="1500" spc="-1" dirty="0">
+              <a:solidFill>
+                <a:srgbClr val="FFFFFF"/>
+              </a:solidFill>
+              <a:latin typeface="Century Gothic"/>
+            </a:endParaRPr>
+          </a:p>
+          <a:p>
+            <a:pPr>
+              <a:spcBef>
+                <a:spcPts val="751"/>
+              </a:spcBef>
+            </a:pPr>
+            <a:endParaRPr lang="hu-HU" sz="1500" spc="-1" dirty="0">
+              <a:solidFill>
+                <a:srgbClr val="FFFFFF"/>
+              </a:solidFill>
+              <a:latin typeface="Century Gothic"/>
+            </a:endParaRPr>
+          </a:p>
+          <a:p>
+            <a:pPr>
+              <a:spcBef>
+                <a:spcPts val="751"/>
+              </a:spcBef>
+            </a:pPr>
+            <a:endParaRPr lang="hu-HU" sz="1500" spc="-1" dirty="0">
+              <a:solidFill>
+                <a:srgbClr val="FFFFFF"/>
+              </a:solidFill>
+              <a:latin typeface="Century Gothic"/>
+            </a:endParaRPr>
+          </a:p>
+        </p:txBody>
+      </p:sp>
+      <p:sp>
+        <p:nvSpPr>
+          <p:cNvPr id="147" name="TextShape 3"/>
+          <p:cNvSpPr txBox="1"/>
+          <p:nvPr/>
+        </p:nvSpPr>
+        <p:spPr>
+          <a:xfrm>
+            <a:off x="7601733" y="553905"/>
+            <a:ext cx="941284" cy="575370"/>
+          </a:xfrm>
+          <a:prstGeom prst="rect">
+            <a:avLst/>
+          </a:prstGeom>
+          <a:noFill/>
+          <a:ln>
+            <a:noFill/>
+          </a:ln>
+        </p:spPr>
+        <p:txBody>
+          <a:bodyPr anchor="b">
+            <a:normAutofit/>
+          </a:bodyPr>
+          <a:lstStyle/>
+          <a:p>
+            <a:pPr algn="ctr">
+              <a:lnSpc>
+                <a:spcPct val="100000"/>
+              </a:lnSpc>
+            </a:pPr>
+            <a:fld id="{E835FED4-7745-4F1D-8C3B-DB89A6753705}" type="slidenum">
+              <a:rPr lang="hu-HU" sz="1350" spc="-1">
+                <a:solidFill>
+                  <a:srgbClr val="FFFFFF"/>
+                </a:solidFill>
+                <a:latin typeface="Century Gothic"/>
+              </a:rPr>
+              <a:t>13</a:t>
+            </a:fld>
+            <a:r>
+              <a:rPr lang="hu-HU" sz="1350" spc="-1" dirty="0">
+                <a:solidFill>
+                  <a:srgbClr val="FFFFFF"/>
+                </a:solidFill>
+                <a:latin typeface="Century Gothic"/>
+              </a:rPr>
+              <a:t>/13</a:t>
+            </a:r>
+            <a:endParaRPr lang="hu-HU" sz="1350" spc="-1" dirty="0">
+              <a:solidFill>
+                <a:srgbClr val="FFFFFF"/>
+              </a:solidFill>
+              <a:latin typeface="Century Gothic"/>
+            </a:endParaRPr>
+          </a:p>
+        </p:txBody>
+      </p:sp>
+      <p:sp>
+        <p:nvSpPr>
+          <p:cNvPr id="2" name="Szövegdoboz 1">
+            <a:extLst>
+              <a:ext uri="{FF2B5EF4-FFF2-40B4-BE49-F238E27FC236}">
+                <a16:creationId xmlns:a16="http://schemas.microsoft.com/office/drawing/2014/main" id="{6B6A1609-0591-4122-9DF5-2119929D3E55}"/>
+              </a:ext>
+            </a:extLst>
+          </p:cNvPr>
+          <p:cNvSpPr txBox="1"/>
+          <p:nvPr/>
+        </p:nvSpPr>
+        <p:spPr>
+          <a:xfrm>
+            <a:off x="4410477" y="1873183"/>
+            <a:ext cx="4464582" cy="2146742"/>
+          </a:xfrm>
+          <a:prstGeom prst="rect">
+            <a:avLst/>
+          </a:prstGeom>
+          <a:noFill/>
+        </p:spPr>
+        <p:txBody>
+          <a:bodyPr wrap="square" rtlCol="0">
+            <a:spAutoFit/>
+          </a:bodyPr>
+          <a:lstStyle/>
           <a:p>
             <a:pPr marL="257310" indent="-257040">
               <a:spcBef>
@@ -7167,146 +8348,7 @@
               <a:buChar char=""/>
             </a:pPr>
             <a:r>
-              <a:rPr lang="en-US" sz="2200" spc="-1" dirty="0">
-                <a:solidFill>
-                  <a:srgbClr val="FFFFFF"/>
-                </a:solidFill>
-                <a:latin typeface="Century Gothic"/>
-              </a:rPr>
-              <a:t>ASP.NET</a:t>
-            </a:r>
-            <a:r>
-              <a:rPr lang="hu-HU" sz="2200" spc="-1" dirty="0">
-                <a:solidFill>
-                  <a:srgbClr val="FFFFFF"/>
-                </a:solidFill>
-                <a:latin typeface="Century Gothic"/>
-              </a:rPr>
-              <a:t>-ben</a:t>
-            </a:r>
-            <a:r>
-              <a:rPr lang="en-US" sz="2200" spc="-1" dirty="0">
-                <a:solidFill>
-                  <a:srgbClr val="FFFFFF"/>
-                </a:solidFill>
-                <a:latin typeface="Century Gothic"/>
-              </a:rPr>
-              <a:t> </a:t>
-            </a:r>
-            <a:r>
-              <a:rPr lang="hu-HU" sz="2200" spc="-1" dirty="0">
-                <a:solidFill>
-                  <a:srgbClr val="FFFFFF"/>
-                </a:solidFill>
-                <a:latin typeface="Century Gothic"/>
-              </a:rPr>
-              <a:t>MVC alapú webes alkalmazás</a:t>
-            </a:r>
-          </a:p>
-          <a:p>
-            <a:pPr marL="257310" indent="-257040">
-              <a:spcBef>
-                <a:spcPts val="751"/>
-              </a:spcBef>
-              <a:buClr>
-                <a:srgbClr val="AFC5B9"/>
-              </a:buClr>
-              <a:buSzPct val="80000"/>
-              <a:buFont typeface="Wingdings 3" charset="2"/>
-              <a:buChar char=""/>
-            </a:pPr>
-            <a:r>
-              <a:rPr lang="hu-HU" sz="2200" spc="-1" dirty="0">
-                <a:solidFill>
-                  <a:srgbClr val="FFFFFF"/>
-                </a:solidFill>
-                <a:latin typeface="Century Gothic"/>
-              </a:rPr>
-              <a:t>Időpontok kiírása és ezek lefoglalása</a:t>
-            </a:r>
-            <a:endParaRPr lang="en-US" sz="2200" spc="-1" dirty="0">
-              <a:solidFill>
-                <a:srgbClr val="FFFFFF"/>
-              </a:solidFill>
-              <a:latin typeface="Century Gothic"/>
-            </a:endParaRPr>
-          </a:p>
-          <a:p>
-            <a:pPr marL="257310" indent="-257040">
-              <a:spcBef>
-                <a:spcPts val="751"/>
-              </a:spcBef>
-              <a:buClr>
-                <a:srgbClr val="AFC5B9"/>
-              </a:buClr>
-              <a:buSzPct val="80000"/>
-              <a:buFont typeface="Wingdings 3" charset="2"/>
-              <a:buChar char=""/>
-            </a:pPr>
-            <a:r>
-              <a:rPr lang="hu-HU" sz="2200" spc="-1" dirty="0">
-                <a:solidFill>
-                  <a:srgbClr val="FFFFFF"/>
-                </a:solidFill>
-                <a:latin typeface="Century Gothic"/>
-              </a:rPr>
-              <a:t>Backend – C# és SQL</a:t>
-            </a:r>
-          </a:p>
-          <a:p>
-            <a:pPr marL="257310" indent="-257040">
-              <a:spcBef>
-                <a:spcPts val="751"/>
-              </a:spcBef>
-              <a:buClr>
-                <a:srgbClr val="AFC5B9"/>
-              </a:buClr>
-              <a:buSzPct val="80000"/>
-              <a:buFont typeface="Wingdings 3" charset="2"/>
-              <a:buChar char=""/>
-            </a:pPr>
-            <a:r>
-              <a:rPr lang="hu-HU" sz="2200" spc="-1" dirty="0">
-                <a:solidFill>
-                  <a:srgbClr val="FFFFFF"/>
-                </a:solidFill>
-                <a:latin typeface="Century Gothic"/>
-              </a:rPr>
-              <a:t>Frontend – HTML, </a:t>
-            </a:r>
-            <a:r>
-              <a:rPr lang="hu-HU" sz="2200" spc="-1" dirty="0" err="1">
-                <a:solidFill>
-                  <a:srgbClr val="FFFFFF"/>
-                </a:solidFill>
-                <a:latin typeface="Century Gothic"/>
-              </a:rPr>
-              <a:t>Bootstrap</a:t>
-            </a:r>
-            <a:r>
-              <a:rPr lang="hu-HU" sz="2200" spc="-1" dirty="0">
-                <a:solidFill>
-                  <a:srgbClr val="FFFFFF"/>
-                </a:solidFill>
-                <a:latin typeface="Century Gothic"/>
-              </a:rPr>
-              <a:t> és JavaScript</a:t>
-            </a:r>
-          </a:p>
-          <a:p>
-            <a:pPr marL="257310" indent="-257040">
-              <a:spcBef>
-                <a:spcPts val="751"/>
-              </a:spcBef>
-              <a:buClr>
-                <a:srgbClr val="AFC5B9"/>
-              </a:buClr>
-              <a:buSzPct val="80000"/>
-              <a:buFont typeface="Wingdings 3" charset="2"/>
-              <a:buChar char=""/>
-            </a:pPr>
-            <a:r>
-              <a:rPr lang="hu-HU" sz="2200" spc="-1" dirty="0">
+              <a:rPr lang="hu-HU" sz="2000" spc="-1" dirty="0">
                 <a:solidFill>
                   <a:srgbClr val="FFFFFF"/>
                 </a:solidFill>
@@ -7328,13 +8370,13 @@
               <a:buChar char="§"/>
             </a:pPr>
             <a:r>
-              <a:rPr lang="hu-HU" sz="1900" spc="-1" dirty="0">
+              <a:rPr lang="hu-HU" sz="1600" spc="-1" dirty="0">
                 <a:solidFill>
                   <a:srgbClr val="FFFFFF"/>
                 </a:solidFill>
                 <a:latin typeface="Century Gothic"/>
               </a:rPr>
-              <a:t>töltési gyorsaság optimalizálása</a:t>
+              <a:t>betöltési gyorsaság optimalizálása</a:t>
             </a:r>
           </a:p>
           <a:p>
@@ -7350,13 +8392,13 @@
               <a:buChar char="§"/>
             </a:pPr>
             <a:r>
-              <a:rPr lang="hu-HU" sz="1900" spc="-1" dirty="0">
+              <a:rPr lang="hu-HU" sz="1600" spc="-1" dirty="0">
                 <a:solidFill>
                   <a:srgbClr val="FFFFFF"/>
                 </a:solidFill>
                 <a:latin typeface="Century Gothic"/>
               </a:rPr>
-              <a:t>grafikus felhasználói felület csiszolása</a:t>
+              <a:t>grafikus felhasználói felület továbbfejlesztése</a:t>
             </a:r>
           </a:p>
           <a:p>
@@ -7372,7 +8414,7 @@
               <a:buChar char="§"/>
             </a:pPr>
             <a:r>
-              <a:rPr lang="hu-HU" sz="1900" spc="-1" dirty="0">
+              <a:rPr lang="hu-HU" sz="1600" spc="-1" dirty="0">
                 <a:solidFill>
                   <a:srgbClr val="FFFFFF"/>
                 </a:solidFill>
@@ -7382,22 +8424,37 @@
             </a:r>
           </a:p>
           <a:p>
-            <a:pPr marL="405000" lvl="1">
-              <a:spcBef>
-                <a:spcPts val="851"/>
-              </a:spcBef>
-              <a:buClr>
-                <a:srgbClr val="000000"/>
-              </a:buClr>
-              <a:buSzPct val="45000"/>
-            </a:pPr>
-            <a:endParaRPr lang="hu-HU" sz="1500" spc="-1" dirty="0">
-              <a:solidFill>
-                <a:srgbClr val="FFFFFF"/>
-              </a:solidFill>
-              <a:latin typeface="Century Gothic"/>
-            </a:endParaRPr>
-          </a:p>
+            <a:endParaRPr lang="hu-HU" sz="1350" dirty="0"/>
+          </a:p>
+        </p:txBody>
+      </p:sp>
+      <p:sp>
+        <p:nvSpPr>
+          <p:cNvPr id="4" name="Szövegdoboz 3">
+            <a:extLst>
+              <a:ext uri="{FF2B5EF4-FFF2-40B4-BE49-F238E27FC236}">
+                <a16:creationId xmlns:a16="http://schemas.microsoft.com/office/drawing/2014/main" id="{036E6B20-D02D-46AB-82DE-71A7F795414F}"/>
+              </a:ext>
+            </a:extLst>
+          </p:cNvPr>
+          <p:cNvSpPr txBox="1"/>
+          <p:nvPr/>
+        </p:nvSpPr>
+        <p:spPr>
+          <a:xfrm>
+            <a:off x="1668077" y="5608871"/>
+            <a:ext cx="5933656" cy="584775"/>
+          </a:xfrm>
+          <a:prstGeom prst="rect">
+            <a:avLst/>
+          </a:prstGeom>
+          <a:noFill/>
+        </p:spPr>
+        <p:txBody>
+          <a:bodyPr wrap="square" rtlCol="0">
+            <a:spAutoFit/>
+          </a:bodyPr>
+          <a:lstStyle/>
           <a:p>
             <a:pPr marL="405000" lvl="1" algn="ctr">
               <a:spcBef>
@@ -7409,116 +8466,13 @@
               <a:buSzPct val="45000"/>
             </a:pPr>
             <a:r>
-              <a:rPr lang="hu-HU" sz="2700" spc="-1" dirty="0">
+              <a:rPr lang="hu-HU" sz="3200" spc="-1" dirty="0">
                 <a:solidFill>
                   <a:srgbClr val="FFFFFF"/>
                 </a:solidFill>
                 <a:latin typeface="Century Gothic"/>
               </a:rPr>
               <a:t>Köszönöm a figyelmet!</a:t>
-            </a:r>
-          </a:p>
-          <a:p>
-            <a:pPr>
-              <a:spcBef>
-                <a:spcPts val="751"/>
-              </a:spcBef>
-            </a:pPr>
-            <a:endParaRPr lang="hu-HU" sz="1500" spc="-1" dirty="0">
-              <a:solidFill>
-                <a:srgbClr val="FFFFFF"/>
-              </a:solidFill>
-              <a:latin typeface="Century Gothic"/>
-            </a:endParaRPr>
-          </a:p>
-          <a:p>
-            <a:pPr>
-              <a:spcBef>
-                <a:spcPts val="751"/>
-              </a:spcBef>
-            </a:pPr>
-            <a:endParaRPr lang="hu-HU" sz="1500" spc="-1" dirty="0">
-              <a:solidFill>
-                <a:srgbClr val="FFFFFF"/>
-              </a:solidFill>
-              <a:latin typeface="Century Gothic"/>
-            </a:endParaRPr>
-          </a:p>
-          <a:p>
-            <a:pPr>
-              <a:spcBef>
-                <a:spcPts val="751"/>
-              </a:spcBef>
-            </a:pPr>
-            <a:endParaRPr lang="hu-HU" sz="1500" spc="-1" dirty="0">
-              <a:solidFill>
-                <a:srgbClr val="FFFFFF"/>
-              </a:solidFill>
-              <a:latin typeface="Century Gothic"/>
-            </a:endParaRPr>
-          </a:p>
-          <a:p>
-            <a:pPr>
-              <a:spcBef>
-                <a:spcPts val="751"/>
-              </a:spcBef>
-            </a:pPr>
-            <a:endParaRPr lang="hu-HU" sz="1500" spc="-1" dirty="0">
-              <a:solidFill>
-                <a:srgbClr val="FFFFFF"/>
-              </a:solidFill>
-              <a:latin typeface="Century Gothic"/>
-            </a:endParaRPr>
-          </a:p>
-        </p:txBody>
-      </p:sp>
-      <p:sp>
-        <p:nvSpPr>
-          <p:cNvPr id="147" name="TextShape 3"/>
-          <p:cNvSpPr txBox="1"/>
-          <p:nvPr/>
-        </p:nvSpPr>
-        <p:spPr>
-          <a:xfrm>
-            <a:off x="7764120" y="1078920"/>
-            <a:ext cx="628290" cy="575370"/>
-          </a:xfrm>
-          <a:prstGeom prst="rect">
-            <a:avLst/>
-          </a:prstGeom>
-          <a:noFill/>
-          <a:ln>
-            <a:noFill/>
-          </a:ln>
-        </p:spPr>
-        <p:txBody>
-          <a:bodyPr anchor="b">
-            <a:normAutofit/>
-          </a:bodyPr>
-          <a:lstStyle/>
-          <a:p>
-            <a:pPr algn="ctr">
-              <a:lnSpc>
-                <a:spcPct val="100000"/>
-              </a:lnSpc>
-            </a:pPr>
-            <a:fld id="{E835FED4-7745-4F1D-8C3B-DB89A6753705}" type="slidenum">
-              <a:rPr lang="hu-HU" sz="1350" spc="-1">
-                <a:solidFill>
-                  <a:srgbClr val="FFFFFF"/>
-                </a:solidFill>
-                <a:latin typeface="Century Gothic"/>
-              </a:rPr>
-              <a:t>12</a:t>
-            </a:fld>
-            <a:r>
-              <a:rPr lang="hu-HU" sz="1350" spc="-1" dirty="0">
-                <a:solidFill>
-                  <a:srgbClr val="FFFFFF"/>
-                </a:solidFill>
-                <a:latin typeface="Century Gothic"/>
-              </a:rPr>
-              <a:t>/12</a:t>
             </a:r>
           </a:p>
         </p:txBody>
@@ -7583,7 +8537,7 @@
         </p:nvSpPr>
         <p:spPr>
           <a:xfrm>
-            <a:off x="365875" y="361758"/>
+            <a:off x="483570" y="1274130"/>
             <a:ext cx="7053210" cy="1050030"/>
           </a:xfrm>
           <a:prstGeom prst="rect">
@@ -7629,7 +8583,7 @@
         </p:nvSpPr>
         <p:spPr>
           <a:xfrm>
-            <a:off x="827280" y="1899119"/>
+            <a:off x="827280" y="2397060"/>
             <a:ext cx="6709770" cy="3146310"/>
           </a:xfrm>
           <a:prstGeom prst="rect">
@@ -7787,7 +8741,7 @@
         </p:nvSpPr>
         <p:spPr>
           <a:xfrm>
-            <a:off x="7773173" y="599088"/>
+            <a:off x="7764120" y="562553"/>
             <a:ext cx="628290" cy="575370"/>
           </a:xfrm>
           <a:prstGeom prst="rect">
@@ -7825,8 +8779,14 @@
                 </a:solidFill>
                 <a:latin typeface="Century Gothic"/>
               </a:rPr>
-              <a:t>/12</a:t>
-            </a:r>
+              <a:t>/13</a:t>
+            </a:r>
+            <a:endParaRPr lang="hu-HU" sz="1350" spc="-1" dirty="0">
+              <a:solidFill>
+                <a:srgbClr val="FFFFFF"/>
+              </a:solidFill>
+              <a:latin typeface="Century Gothic"/>
+            </a:endParaRPr>
           </a:p>
         </p:txBody>
       </p:sp>
@@ -7890,7 +8850,7 @@
         </p:nvSpPr>
         <p:spPr>
           <a:xfrm>
-            <a:off x="484380" y="549315"/>
+            <a:off x="398318" y="405874"/>
             <a:ext cx="7053210" cy="1050030"/>
           </a:xfrm>
           <a:prstGeom prst="rect">
@@ -7945,8 +8905,8 @@
         </p:nvSpPr>
         <p:spPr>
           <a:xfrm>
-            <a:off x="484380" y="1824692"/>
-            <a:ext cx="4730416" cy="3146310"/>
+            <a:off x="128757" y="1746360"/>
+            <a:ext cx="4529303" cy="3146310"/>
           </a:xfrm>
           <a:prstGeom prst="rect">
             <a:avLst/>
@@ -8059,7 +9019,7 @@
         </p:nvSpPr>
         <p:spPr>
           <a:xfrm>
-            <a:off x="7773173" y="580979"/>
+            <a:off x="7753362" y="562553"/>
             <a:ext cx="628290" cy="575370"/>
           </a:xfrm>
           <a:prstGeom prst="rect">
@@ -8097,8 +9057,14 @@
                 </a:solidFill>
                 <a:latin typeface="Century Gothic"/>
               </a:rPr>
-              <a:t>/12</a:t>
-            </a:r>
+              <a:t>/13</a:t>
+            </a:r>
+            <a:endParaRPr lang="hu-HU" sz="1350" spc="-1" dirty="0">
+              <a:solidFill>
+                <a:srgbClr val="FFFFFF"/>
+              </a:solidFill>
+              <a:latin typeface="Century Gothic"/>
+            </a:endParaRPr>
           </a:p>
         </p:txBody>
       </p:sp>
@@ -8114,8 +9080,8 @@
         </p:blipFill>
         <p:spPr>
           <a:xfrm>
-            <a:off x="4843604" y="3431263"/>
-            <a:ext cx="4228142" cy="3131016"/>
+            <a:off x="4561242" y="3151991"/>
+            <a:ext cx="4333442" cy="3177127"/>
           </a:xfrm>
           <a:prstGeom prst="rect">
             <a:avLst/>
@@ -8185,7 +9151,7 @@
         </p:nvSpPr>
         <p:spPr>
           <a:xfrm>
-            <a:off x="466274" y="460901"/>
+            <a:off x="258470" y="390944"/>
             <a:ext cx="7053210" cy="1050030"/>
           </a:xfrm>
           <a:prstGeom prst="rect">
@@ -8231,8 +9197,8 @@
         </p:nvSpPr>
         <p:spPr>
           <a:xfrm>
-            <a:off x="673371" y="1977128"/>
-            <a:ext cx="3934844" cy="3225142"/>
+            <a:off x="602427" y="2130014"/>
+            <a:ext cx="4130937" cy="3840480"/>
           </a:xfrm>
           <a:prstGeom prst="rect">
             <a:avLst/>
@@ -8244,7 +9210,7 @@
         </p:spPr>
         <p:txBody>
           <a:bodyPr>
-            <a:normAutofit/>
+            <a:normAutofit fontScale="92500" lnSpcReduction="20000"/>
           </a:bodyPr>
           <a:lstStyle/>
           <a:p>
@@ -8260,7 +9226,7 @@
               <a:buChar char=""/>
             </a:pPr>
             <a:r>
-              <a:rPr lang="hu-HU" sz="2000" spc="-1" dirty="0">
+              <a:rPr lang="hu-HU" sz="1900" spc="-1" dirty="0">
                 <a:solidFill>
                   <a:srgbClr val="FFFFFF"/>
                 </a:solidFill>
@@ -8282,7 +9248,7 @@
               <a:buChar char=""/>
             </a:pPr>
             <a:r>
-              <a:rPr lang="hu-HU" spc="-1" dirty="0">
+              <a:rPr lang="hu-HU" sz="1900" spc="-1" dirty="0">
                 <a:solidFill>
                   <a:srgbClr val="FFFFFF"/>
                 </a:solidFill>
@@ -8304,13 +9270,22 @@
               <a:buChar char=""/>
             </a:pPr>
             <a:r>
-              <a:rPr lang="hu-HU" spc="-1" dirty="0">
+              <a:rPr lang="hu-HU" sz="1900" spc="-1" dirty="0">
                 <a:solidFill>
                   <a:srgbClr val="FFFFFF"/>
                 </a:solidFill>
                 <a:latin typeface="Century Gothic"/>
               </a:rPr>
-              <a:t>időpontok lefoglalása</a:t>
+              <a:t>időpontok </a:t>
+            </a:r>
+            <a:r>
+              <a:rPr lang="hu-HU" sz="1900" spc="-1" dirty="0">
+                <a:solidFill>
+                  <a:srgbClr val="FFFFFF"/>
+                </a:solidFill>
+                <a:latin typeface="Century Gothic"/>
+              </a:rPr>
+              <a:t>lefoglalása</a:t>
             </a:r>
           </a:p>
           <a:p>
@@ -8326,14 +9301,20 @@
               <a:buChar char=""/>
             </a:pPr>
             <a:r>
-              <a:rPr lang="hu-HU" spc="-1" dirty="0">
+              <a:rPr lang="hu-HU" sz="1900" spc="-1" dirty="0">
                 <a:solidFill>
                   <a:srgbClr val="FFFFFF"/>
                 </a:solidFill>
                 <a:latin typeface="Century Gothic"/>
               </a:rPr>
-              <a:t>ügyfelek felkeresése</a:t>
-            </a:r>
+              <a:t>átvétel nyomon követése online</a:t>
+            </a:r>
+            <a:endParaRPr lang="hu-HU" sz="1900" spc="-1" dirty="0">
+              <a:solidFill>
+                <a:srgbClr val="FFFFFF"/>
+              </a:solidFill>
+              <a:latin typeface="Century Gothic"/>
+            </a:endParaRPr>
           </a:p>
           <a:p>
             <a:pPr marL="557280" lvl="1" indent="-214110">
@@ -8348,13 +9329,44 @@
               <a:buChar char=""/>
             </a:pPr>
             <a:r>
-              <a:rPr lang="hu-HU" spc="-1" dirty="0">
+              <a:rPr lang="hu-HU" sz="1900" spc="-1" dirty="0">
                 <a:solidFill>
                   <a:srgbClr val="FFFFFF"/>
                 </a:solidFill>
                 <a:latin typeface="Century Gothic"/>
               </a:rPr>
-              <a:t>statisztika a beszállításokról</a:t>
+              <a:t>statisztika </a:t>
+            </a:r>
+            <a:r>
+              <a:rPr lang="hu-HU" sz="1900" spc="-1" dirty="0">
+                <a:solidFill>
+                  <a:srgbClr val="FFFFFF"/>
+                </a:solidFill>
+                <a:latin typeface="Century Gothic"/>
+              </a:rPr>
+              <a:t>a beszállításokról</a:t>
+            </a:r>
+          </a:p>
+          <a:p>
+            <a:pPr marL="257310" indent="-257040">
+              <a:spcBef>
+                <a:spcPts val="751"/>
+              </a:spcBef>
+              <a:buClr>
+                <a:srgbClr val="AFC5B9"/>
+              </a:buClr>
+              <a:buSzPct val="80000"/>
+              <a:buFont typeface="Wingdings 3" charset="2"/>
+              <a:buChar char=""/>
+            </a:pPr>
+            <a:r>
+              <a:rPr lang="hu-HU" sz="1900" spc="-1" dirty="0">
+                <a:solidFill>
+                  <a:srgbClr val="FFFFFF"/>
+                </a:solidFill>
+                <a:latin typeface="Century Gothic"/>
+              </a:rPr>
+              <a:t>Szerepkörök</a:t>
             </a:r>
           </a:p>
           <a:p>
@@ -8370,17 +9382,23 @@
               <a:buChar char=""/>
             </a:pPr>
             <a:r>
-              <a:rPr lang="hu-HU" spc="-1" dirty="0">
+              <a:rPr lang="hu-HU" sz="1900" spc="-1" dirty="0">
                 <a:solidFill>
                   <a:srgbClr val="FFFFFF"/>
                 </a:solidFill>
                 <a:latin typeface="Century Gothic"/>
               </a:rPr>
-              <a:t>átvétel nyomon követése online</a:t>
-            </a:r>
-          </a:p>
-          <a:p>
-            <a:pPr marL="257310" indent="-257040">
+              <a:t>beszerző</a:t>
+            </a:r>
+            <a:endParaRPr lang="en-GB" sz="1900" spc="-1" dirty="0">
+              <a:solidFill>
+                <a:srgbClr val="FFFFFF"/>
+              </a:solidFill>
+              <a:latin typeface="Century Gothic"/>
+            </a:endParaRPr>
+          </a:p>
+          <a:p>
+            <a:pPr marL="557280" lvl="1" indent="-214110">
               <a:spcBef>
                 <a:spcPts val="751"/>
               </a:spcBef>
@@ -8388,24 +9406,118 @@
                 <a:srgbClr val="AFC5B9"/>
               </a:buClr>
               <a:buSzPct val="80000"/>
-              <a:buFont typeface="Wingdings 3" charset="2"/>
-              <a:buChar char=""/>
-            </a:pPr>
-            <a:r>
-              <a:rPr lang="hu-HU" sz="2000" spc="-1" dirty="0">
+              <a:buFont typeface="Wingdings" charset="2"/>
+              <a:buChar char=""/>
+            </a:pPr>
+            <a:r>
+              <a:rPr lang="hu-HU" sz="1900" spc="-1" dirty="0">
                 <a:solidFill>
                   <a:srgbClr val="FFFFFF"/>
                 </a:solidFill>
                 <a:latin typeface="Century Gothic"/>
               </a:rPr>
-              <a:t>Szerepkörök</a:t>
-            </a:r>
-          </a:p>
-          <a:p>
-            <a:pPr marL="342900">
+              <a:t>beszállító</a:t>
+            </a:r>
+            <a:endParaRPr lang="hu-HU" sz="1900" spc="-1" dirty="0">
+              <a:solidFill>
+                <a:srgbClr val="FFFFFF"/>
+              </a:solidFill>
+              <a:latin typeface="Century Gothic"/>
+            </a:endParaRPr>
+          </a:p>
+          <a:p>
+            <a:pPr marL="557280" lvl="1" indent="-214110">
               <a:spcBef>
                 <a:spcPts val="751"/>
               </a:spcBef>
+              <a:buClr>
+                <a:srgbClr val="AFC5B9"/>
+              </a:buClr>
+              <a:buSzPct val="80000"/>
+              <a:buFont typeface="Wingdings" charset="2"/>
+              <a:buChar char=""/>
+            </a:pPr>
+            <a:r>
+              <a:rPr lang="hu-HU" sz="1900" spc="-1" dirty="0">
+                <a:solidFill>
+                  <a:srgbClr val="FFFFFF"/>
+                </a:solidFill>
+                <a:latin typeface="Century Gothic"/>
+              </a:rPr>
+              <a:t>átvevő</a:t>
+            </a:r>
+            <a:endParaRPr lang="en-GB" sz="1900" spc="-1" dirty="0">
+              <a:solidFill>
+                <a:srgbClr val="FFFFFF"/>
+              </a:solidFill>
+              <a:latin typeface="Century Gothic"/>
+            </a:endParaRPr>
+          </a:p>
+          <a:p>
+            <a:pPr marL="557280" lvl="1" indent="-214110">
+              <a:spcBef>
+                <a:spcPts val="751"/>
+              </a:spcBef>
+              <a:buClr>
+                <a:srgbClr val="AFC5B9"/>
+              </a:buClr>
+              <a:buSzPct val="80000"/>
+              <a:buFont typeface="Wingdings" charset="2"/>
+              <a:buChar char=""/>
+            </a:pPr>
+            <a:r>
+              <a:rPr lang="hu-HU" sz="1900" spc="-1" dirty="0">
+                <a:solidFill>
+                  <a:srgbClr val="FFFFFF"/>
+                </a:solidFill>
+                <a:latin typeface="Century Gothic"/>
+              </a:rPr>
+              <a:t>elszámoló</a:t>
+            </a:r>
+            <a:endParaRPr lang="en-GB" sz="1900" spc="-1" dirty="0">
+              <a:solidFill>
+                <a:srgbClr val="FFFFFF"/>
+              </a:solidFill>
+              <a:latin typeface="Century Gothic"/>
+            </a:endParaRPr>
+          </a:p>
+          <a:p>
+            <a:pPr marL="557280" lvl="1" indent="-214110">
+              <a:spcBef>
+                <a:spcPts val="751"/>
+              </a:spcBef>
+              <a:buClr>
+                <a:srgbClr val="AFC5B9"/>
+              </a:buClr>
+              <a:buSzPct val="80000"/>
+              <a:buFont typeface="Wingdings" charset="2"/>
+              <a:buChar char=""/>
+            </a:pPr>
+            <a:r>
+              <a:rPr lang="hu-HU" sz="1900" spc="-1" dirty="0">
+                <a:solidFill>
+                  <a:srgbClr val="FFFFFF"/>
+                </a:solidFill>
+                <a:latin typeface="Century Gothic"/>
+              </a:rPr>
+              <a:t>rendszergazda</a:t>
+            </a:r>
+            <a:endParaRPr lang="en-GB" sz="1900" spc="-1" dirty="0">
+              <a:solidFill>
+                <a:srgbClr val="FFFFFF"/>
+              </a:solidFill>
+              <a:latin typeface="Century Gothic"/>
+            </a:endParaRPr>
+          </a:p>
+          <a:p>
+            <a:pPr marL="270">
+              <a:spcBef>
+                <a:spcPts val="751"/>
+              </a:spcBef>
+              <a:buClr>
+                <a:srgbClr val="AFC5B9"/>
+              </a:buClr>
+              <a:buSzPct val="80000"/>
             </a:pPr>
             <a:endParaRPr lang="hu-HU" sz="1500" spc="-1" dirty="0">
               <a:solidFill>
@@ -8414,6 +9526,19 @@
               <a:latin typeface="Century Gothic"/>
             </a:endParaRPr>
           </a:p>
+          <a:p>
+            <a:pPr marL="342900">
+              <a:spcBef>
+                <a:spcPts val="751"/>
+              </a:spcBef>
+            </a:pPr>
+            <a:endParaRPr lang="hu-HU" sz="1500" spc="-1" dirty="0">
+              <a:solidFill>
+                <a:srgbClr val="FFFFFF"/>
+              </a:solidFill>
+              <a:latin typeface="Century Gothic"/>
+            </a:endParaRPr>
+          </a:p>
         </p:txBody>
       </p:sp>
       <p:sp>
@@ -8424,7 +9549,7 @@
         </p:nvSpPr>
         <p:spPr>
           <a:xfrm>
-            <a:off x="7764121" y="549112"/>
+            <a:off x="7764120" y="508764"/>
             <a:ext cx="628290" cy="575370"/>
           </a:xfrm>
           <a:prstGeom prst="rect">
@@ -8462,8 +9587,14 @@
                 </a:solidFill>
                 <a:latin typeface="Century Gothic"/>
               </a:rPr>
-              <a:t>/12</a:t>
-            </a:r>
+              <a:t>/13</a:t>
+            </a:r>
+            <a:endParaRPr lang="hu-HU" sz="1350" spc="-1" dirty="0">
+              <a:solidFill>
+                <a:srgbClr val="FFFFFF"/>
+              </a:solidFill>
+              <a:latin typeface="Century Gothic"/>
+            </a:endParaRPr>
           </a:p>
         </p:txBody>
       </p:sp>
@@ -8479,8 +9610,8 @@
         </p:blipFill>
         <p:spPr>
           <a:xfrm>
-            <a:off x="4925085" y="3512745"/>
-            <a:ext cx="3899782" cy="2945025"/>
+            <a:off x="4919400" y="3032370"/>
+            <a:ext cx="3706290" cy="2511000"/>
           </a:xfrm>
           <a:prstGeom prst="rect">
             <a:avLst/>
@@ -8550,7 +9681,7 @@
         </p:nvSpPr>
         <p:spPr>
           <a:xfrm>
-            <a:off x="303311" y="256434"/>
+            <a:off x="366045" y="361621"/>
             <a:ext cx="7053210" cy="1050030"/>
           </a:xfrm>
           <a:prstGeom prst="rect">
@@ -8596,8 +9727,8 @@
         </p:nvSpPr>
         <p:spPr>
           <a:xfrm>
-            <a:off x="827280" y="2397060"/>
-            <a:ext cx="4712040" cy="3146310"/>
+            <a:off x="278639" y="1654290"/>
+            <a:ext cx="6036099" cy="3146310"/>
           </a:xfrm>
           <a:prstGeom prst="rect">
             <a:avLst/>
@@ -8609,7 +9740,7 @@
         </p:spPr>
         <p:txBody>
           <a:bodyPr>
-            <a:normAutofit fontScale="92500" lnSpcReduction="20000"/>
+            <a:normAutofit fontScale="92500" lnSpcReduction="10000"/>
           </a:bodyPr>
           <a:lstStyle/>
           <a:p>
@@ -8625,7 +9756,7 @@
               <a:buChar char=""/>
             </a:pPr>
             <a:r>
-              <a:rPr lang="en-US" sz="2000" spc="-1" dirty="0">
+              <a:rPr lang="en-US" sz="2200" spc="-1" dirty="0">
                 <a:solidFill>
                   <a:srgbClr val="FFFFFF"/>
                 </a:solidFill>
@@ -8647,7 +9778,7 @@
               <a:buChar char=""/>
             </a:pPr>
             <a:r>
-              <a:rPr lang="en-US" sz="2000" spc="-1" dirty="0">
+              <a:rPr lang="en-US" sz="2200" spc="-1" dirty="0">
                 <a:solidFill>
                   <a:srgbClr val="FFFFFF"/>
                 </a:solidFill>
@@ -8669,7 +9800,7 @@
               <a:buChar char=""/>
             </a:pPr>
             <a:r>
-              <a:rPr lang="en-US" sz="2000" spc="-1" dirty="0">
+              <a:rPr lang="en-US" sz="2200" spc="-1" dirty="0">
                 <a:solidFill>
                   <a:srgbClr val="FFFFFF"/>
                 </a:solidFill>
@@ -8691,7 +9822,7 @@
               <a:buChar char=""/>
             </a:pPr>
             <a:r>
-              <a:rPr lang="en-US" sz="2000" spc="-1" dirty="0">
+              <a:rPr lang="en-US" sz="2200" spc="-1" dirty="0">
                 <a:solidFill>
                   <a:srgbClr val="FFFFFF"/>
                 </a:solidFill>
@@ -8713,7 +9844,7 @@
               <a:buChar char=""/>
             </a:pPr>
             <a:r>
-              <a:rPr lang="en-US" sz="2000" spc="-1" dirty="0">
+              <a:rPr lang="en-US" sz="2200" spc="-1" dirty="0">
                 <a:solidFill>
                   <a:srgbClr val="FFFFFF"/>
                 </a:solidFill>
@@ -8735,7 +9866,7 @@
               <a:buChar char=""/>
             </a:pPr>
             <a:r>
-              <a:rPr lang="en-US" sz="2000" spc="-1" dirty="0">
+              <a:rPr lang="en-US" sz="2200" spc="-1" dirty="0">
                 <a:solidFill>
                   <a:srgbClr val="FFFFFF"/>
                 </a:solidFill>
@@ -8757,7 +9888,7 @@
               <a:buChar char=""/>
             </a:pPr>
             <a:r>
-              <a:rPr lang="en-US" sz="2000" spc="-1" dirty="0">
+              <a:rPr lang="en-US" sz="2200" spc="-1" dirty="0">
                 <a:solidFill>
                   <a:srgbClr val="FFFFFF"/>
                 </a:solidFill>
@@ -8779,7 +9910,7 @@
               <a:buChar char=""/>
             </a:pPr>
             <a:r>
-              <a:rPr lang="en-US" sz="2000" spc="-1" dirty="0">
+              <a:rPr lang="en-US" sz="2200" spc="-1" dirty="0">
                 <a:solidFill>
                   <a:srgbClr val="FFFFFF"/>
                 </a:solidFill>
@@ -8811,7 +9942,7 @@
         </p:nvSpPr>
         <p:spPr>
           <a:xfrm>
-            <a:off x="7764120" y="513731"/>
+            <a:off x="7764120" y="508765"/>
             <a:ext cx="628290" cy="575370"/>
           </a:xfrm>
           <a:prstGeom prst="rect">
@@ -8849,8 +9980,14 @@
                 </a:solidFill>
                 <a:latin typeface="Century Gothic"/>
               </a:rPr>
-              <a:t>/12</a:t>
-            </a:r>
+              <a:t>/13</a:t>
+            </a:r>
+            <a:endParaRPr lang="hu-HU" sz="1350" spc="-1" dirty="0">
+              <a:solidFill>
+                <a:srgbClr val="FFFFFF"/>
+              </a:solidFill>
+              <a:latin typeface="Century Gothic"/>
+            </a:endParaRPr>
           </a:p>
         </p:txBody>
       </p:sp>
@@ -8865,9 +10002,9 @@
           <a:stretch/>
         </p:blipFill>
         <p:spPr>
-          <a:xfrm rot="19229771">
-            <a:off x="5135160" y="3542120"/>
-            <a:ext cx="3902420" cy="2390006"/>
+          <a:xfrm rot="19241741">
+            <a:off x="4679651" y="3387711"/>
+            <a:ext cx="4469903" cy="2638650"/>
           </a:xfrm>
           <a:prstGeom prst="rect">
             <a:avLst/>
@@ -8889,8 +10026,8 @@
         </p:blipFill>
         <p:spPr>
           <a:xfrm>
-            <a:off x="7764120" y="5543370"/>
-            <a:ext cx="1043820" cy="1023318"/>
+            <a:off x="7419255" y="5389581"/>
+            <a:ext cx="1153682" cy="1226563"/>
           </a:xfrm>
           <a:prstGeom prst="rect">
             <a:avLst/>
@@ -8960,7 +10097,7 @@
         </p:nvSpPr>
         <p:spPr>
           <a:xfrm>
-            <a:off x="303311" y="460856"/>
+            <a:off x="312258" y="282192"/>
             <a:ext cx="7053210" cy="1050030"/>
           </a:xfrm>
           <a:prstGeom prst="rect">
@@ -9006,8 +10143,8 @@
         </p:nvSpPr>
         <p:spPr>
           <a:xfrm>
-            <a:off x="628289" y="2226420"/>
-            <a:ext cx="3934657" cy="3410100"/>
+            <a:off x="312257" y="1350708"/>
+            <a:ext cx="4216711" cy="4630543"/>
           </a:xfrm>
           <a:prstGeom prst="rect">
             <a:avLst/>
@@ -9226,7 +10363,7 @@
         </p:nvSpPr>
         <p:spPr>
           <a:xfrm>
-            <a:off x="7755066" y="544766"/>
+            <a:off x="7753362" y="519522"/>
             <a:ext cx="628290" cy="575370"/>
           </a:xfrm>
           <a:prstGeom prst="rect">
@@ -9248,24 +10385,21 @@
                 <a:spcPct val="100000"/>
               </a:lnSpc>
             </a:pPr>
-            <a:fld id="{F272A42B-4459-4146-8207-5DFE11D547DA}" type="slidenum">
-              <a:rPr lang="hu-HU" sz="1350" spc="-1">
+            <a:r>
+              <a:rPr lang="hu-HU" sz="1350" spc="-1" dirty="0">
                 <a:solidFill>
                   <a:srgbClr val="FFFFFF"/>
                 </a:solidFill>
                 <a:latin typeface="Century Gothic"/>
               </a:rPr>
-              <a:t>6</a:t>
-            </a:fld>
-            <a:r>
-              <a:rPr lang="hu-HU" sz="1350" spc="-1" dirty="0">
-                <a:solidFill>
-                  <a:srgbClr val="FFFFFF"/>
-                </a:solidFill>
-                <a:latin typeface="Century Gothic"/>
-              </a:rPr>
-              <a:t>/12</a:t>
-            </a:r>
+              <a:t>6/13</a:t>
+            </a:r>
+            <a:endParaRPr lang="hu-HU" sz="1350" spc="-1" dirty="0">
+              <a:solidFill>
+                <a:srgbClr val="FFFFFF"/>
+              </a:solidFill>
+              <a:latin typeface="Century Gothic"/>
+            </a:endParaRPr>
           </a:p>
         </p:txBody>
       </p:sp>
@@ -9281,8 +10415,8 @@
         </p:blipFill>
         <p:spPr>
           <a:xfrm>
-            <a:off x="4146922" y="2607458"/>
-            <a:ext cx="4746600" cy="3393360"/>
+            <a:off x="3593054" y="2302136"/>
+            <a:ext cx="5379819" cy="4132610"/>
           </a:xfrm>
           <a:prstGeom prst="rect">
             <a:avLst/>
@@ -9352,8 +10486,8 @@
         </p:nvSpPr>
         <p:spPr>
           <a:xfrm>
-            <a:off x="422550" y="392575"/>
-            <a:ext cx="5072903" cy="575370"/>
+            <a:off x="250427" y="490055"/>
+            <a:ext cx="4633545" cy="575370"/>
           </a:xfrm>
           <a:prstGeom prst="rect">
             <a:avLst/>
@@ -9398,7 +10532,7 @@
         </p:nvSpPr>
         <p:spPr>
           <a:xfrm>
-            <a:off x="286748" y="1738479"/>
+            <a:off x="250427" y="1360403"/>
             <a:ext cx="3824820" cy="3812940"/>
           </a:xfrm>
           <a:prstGeom prst="rect">
@@ -9659,7 +10793,7 @@
         </p:nvSpPr>
         <p:spPr>
           <a:xfrm>
-            <a:off x="7764120" y="574560"/>
+            <a:off x="7753362" y="501231"/>
             <a:ext cx="628290" cy="575370"/>
           </a:xfrm>
           <a:prstGeom prst="rect">
@@ -9697,8 +10831,14 @@
                 </a:solidFill>
                 <a:latin typeface="Century Gothic"/>
               </a:rPr>
-              <a:t>/12</a:t>
-            </a:r>
+              <a:t>/13</a:t>
+            </a:r>
+            <a:endParaRPr lang="hu-HU" sz="1350" spc="-1" dirty="0">
+              <a:solidFill>
+                <a:srgbClr val="FFFFFF"/>
+              </a:solidFill>
+              <a:latin typeface="Century Gothic"/>
+            </a:endParaRPr>
           </a:p>
         </p:txBody>
       </p:sp>
@@ -9730,8 +10870,8 @@
         </p:blipFill>
         <p:spPr>
           <a:xfrm>
-            <a:off x="3628904" y="2082510"/>
-            <a:ext cx="5372496" cy="3899639"/>
+            <a:off x="3411276" y="2302136"/>
+            <a:ext cx="5566745" cy="4040635"/>
           </a:xfrm>
           <a:prstGeom prst="rect">
             <a:avLst/>
@@ -9740,10 +10880,10 @@
       </p:pic>
       <p:pic>
         <p:nvPicPr>
-          <p:cNvPr id="5" name="Kép 4">
+          <p:cNvPr id="4" name="Kép 3">
             <a:extLst>
               <a:ext uri="{FF2B5EF4-FFF2-40B4-BE49-F238E27FC236}">
-                <a16:creationId xmlns:a16="http://schemas.microsoft.com/office/drawing/2014/main" id="{CD30792B-731D-4D8D-B046-D7B9659F516F}"/>
+                <a16:creationId xmlns:a16="http://schemas.microsoft.com/office/drawing/2014/main" id="{49AF4991-617B-45B4-8612-262B0EEF6119}"/>
               </a:ext>
             </a:extLst>
           </p:cNvPr>
@@ -9766,8 +10906,8 @@
         </p:blipFill>
         <p:spPr>
           <a:xfrm>
-            <a:off x="161894" y="4166785"/>
-            <a:ext cx="3467010" cy="2155168"/>
+            <a:off x="112191" y="3982047"/>
+            <a:ext cx="3378871" cy="2137064"/>
           </a:xfrm>
           <a:prstGeom prst="rect">
             <a:avLst/>
@@ -9828,27 +10968,22 @@
       </p:grpSpPr>
       <p:sp>
         <p:nvSpPr>
-          <p:cNvPr id="136" name="TextShape 1"/>
-          <p:cNvSpPr txBox="1"/>
-          <p:nvPr/>
-        </p:nvSpPr>
-        <p:spPr>
-          <a:xfrm>
-            <a:off x="138341" y="298382"/>
-            <a:ext cx="8181794" cy="1050030"/>
-          </a:xfrm>
-          <a:prstGeom prst="rect">
-            <a:avLst/>
-          </a:prstGeom>
-          <a:noFill/>
-          <a:ln>
-            <a:noFill/>
-          </a:ln>
-        </p:spPr>
-        <p:txBody>
-          <a:bodyPr>
-            <a:noAutofit/>
-          </a:bodyPr>
+          <p:cNvPr id="2" name="Cím 1"/>
+          <p:cNvSpPr>
+            <a:spLocks noGrp="1"/>
+          </p:cNvSpPr>
+          <p:nvPr>
+            <p:ph type="title"/>
+          </p:nvPr>
+        </p:nvSpPr>
+        <p:spPr>
+          <a:xfrm>
+            <a:off x="212749" y="160786"/>
+            <a:ext cx="7433037" cy="1050030"/>
+          </a:xfrm>
+        </p:spPr>
+        <p:txBody>
+          <a:bodyPr/>
           <a:lstStyle/>
           <a:p>
             <a:pPr>
@@ -9862,8 +10997,21 @@
                   <a:srgbClr val="E3DED1"/>
                 </a:solidFill>
                 <a:latin typeface="Century Gothic"/>
-              </a:rPr>
-              <a:t>Rendszer működése – </a:t>
+                <a:ea typeface="+mn-ea"/>
+                <a:cs typeface="+mn-cs"/>
+              </a:rPr>
+              <a:t>Adatbázis</a:t>
+            </a:r>
+            <a:r>
+              <a:rPr lang="en-GB" sz="3600" spc="-1" dirty="0">
+                <a:solidFill>
+                  <a:srgbClr val="E3DED1"/>
+                </a:solidFill>
+                <a:latin typeface="Century Gothic"/>
+                <a:ea typeface="+mn-ea"/>
+                <a:cs typeface="+mn-cs"/>
+              </a:rPr>
+              <a:t> </a:t>
             </a:r>
             <a:r>
               <a:rPr lang="hu-HU" sz="3600" spc="-1" dirty="0">
@@ -9871,65 +11019,10 @@
                   <a:srgbClr val="E3DED1"/>
                 </a:solidFill>
                 <a:latin typeface="Century Gothic"/>
-              </a:rPr>
-              <a:t>időpontfoglalás</a:t>
-            </a:r>
-            <a:endParaRPr lang="hu-HU" sz="3600" spc="-1" dirty="0">
-              <a:solidFill>
-                <a:srgbClr val="FFFFFF"/>
-              </a:solidFill>
-              <a:latin typeface="Century Gothic"/>
-            </a:endParaRPr>
-          </a:p>
-        </p:txBody>
-      </p:sp>
-      <p:sp>
-        <p:nvSpPr>
-          <p:cNvPr id="137" name="TextShape 2"/>
-          <p:cNvSpPr txBox="1"/>
-          <p:nvPr/>
-        </p:nvSpPr>
-        <p:spPr>
-          <a:xfrm>
-            <a:off x="7764120" y="535712"/>
-            <a:ext cx="628290" cy="575370"/>
-          </a:xfrm>
-          <a:prstGeom prst="rect">
-            <a:avLst/>
-          </a:prstGeom>
-          <a:noFill/>
-          <a:ln>
-            <a:noFill/>
-          </a:ln>
-        </p:spPr>
-        <p:txBody>
-          <a:bodyPr anchor="b">
-            <a:normAutofit/>
-          </a:bodyPr>
-          <a:lstStyle/>
-          <a:p>
-            <a:pPr algn="ctr">
-              <a:lnSpc>
-                <a:spcPct val="100000"/>
-              </a:lnSpc>
-            </a:pPr>
-            <a:fld id="{B7FEE3B7-5980-4B79-9992-7CE0EBDE4521}" type="slidenum">
-              <a:rPr lang="hu-HU" sz="1350" spc="-1">
-                <a:solidFill>
-                  <a:srgbClr val="FFFFFF"/>
-                </a:solidFill>
-                <a:latin typeface="Century Gothic"/>
-              </a:rPr>
-              <a:t>8</a:t>
-            </a:fld>
-            <a:r>
-              <a:rPr lang="hu-HU" sz="1350" spc="-1" dirty="0">
-                <a:solidFill>
-                  <a:srgbClr val="FFFFFF"/>
-                </a:solidFill>
-                <a:latin typeface="Century Gothic"/>
-              </a:rPr>
-              <a:t>/12</a:t>
+                <a:ea typeface="+mn-ea"/>
+                <a:cs typeface="+mn-cs"/>
+              </a:rPr>
+              <a:t>(részlet)</a:t>
             </a:r>
           </a:p>
         </p:txBody>
@@ -9943,15 +11036,250 @@
           <p:nvPr/>
         </p:nvPicPr>
         <p:blipFill>
-          <a:blip r:embed="rId3"/>
+          <a:blip r:embed="rId2"/>
           <a:stretch>
             <a:fillRect/>
           </a:stretch>
         </p:blipFill>
         <p:spPr>
           <a:xfrm>
-            <a:off x="476607" y="1703538"/>
-            <a:ext cx="8248700" cy="4461872"/>
+            <a:off x="542830" y="1404454"/>
+            <a:ext cx="8243224" cy="4619829"/>
+          </a:xfrm>
+          <a:prstGeom prst="rect">
+            <a:avLst/>
+          </a:prstGeom>
+        </p:spPr>
+      </p:pic>
+      <p:sp>
+        <p:nvSpPr>
+          <p:cNvPr id="5" name="TextShape 3"/>
+          <p:cNvSpPr txBox="1"/>
+          <p:nvPr/>
+        </p:nvSpPr>
+        <p:spPr>
+          <a:xfrm>
+            <a:off x="7764120" y="549385"/>
+            <a:ext cx="628290" cy="575370"/>
+          </a:xfrm>
+          <a:prstGeom prst="rect">
+            <a:avLst/>
+          </a:prstGeom>
+          <a:noFill/>
+          <a:ln>
+            <a:noFill/>
+          </a:ln>
+        </p:spPr>
+        <p:txBody>
+          <a:bodyPr anchor="b">
+            <a:normAutofit/>
+          </a:bodyPr>
+          <a:lstStyle/>
+          <a:p>
+            <a:pPr algn="ctr">
+              <a:lnSpc>
+                <a:spcPct val="100000"/>
+              </a:lnSpc>
+            </a:pPr>
+            <a:r>
+              <a:rPr lang="hu-HU" sz="1350" spc="-1" dirty="0">
+                <a:solidFill>
+                  <a:srgbClr val="FFFFFF"/>
+                </a:solidFill>
+                <a:latin typeface="Century Gothic"/>
+              </a:rPr>
+              <a:t>8/13</a:t>
+            </a:r>
+            <a:endParaRPr lang="hu-HU" sz="1350" spc="-1" dirty="0">
+              <a:solidFill>
+                <a:srgbClr val="FFFFFF"/>
+              </a:solidFill>
+              <a:latin typeface="Century Gothic"/>
+            </a:endParaRPr>
+          </a:p>
+        </p:txBody>
+      </p:sp>
+    </p:spTree>
+    <p:extLst>
+      <p:ext uri="{BB962C8B-B14F-4D97-AF65-F5344CB8AC3E}">
+        <p14:creationId xmlns:p14="http://schemas.microsoft.com/office/powerpoint/2010/main" val="1867742731"/>
+      </p:ext>
+    </p:extLst>
+  </p:cSld>
+  <p:clrMapOvr>
+    <a:masterClrMapping/>
+  </p:clrMapOvr>
+  <p:timing>
+    <p:tnLst>
+      <p:par>
+        <p:cTn id="1" dur="indefinite" restart="never" nodeType="tmRoot"/>
+      </p:par>
+    </p:tnLst>
+  </p:timing>
+</p:sld>
+</file>
+
+<file path=ppt/slides/slide9.xml><?xml version="1.0" encoding="utf-8"?>
+<p:sld xmlns:a="http://schemas.openxmlformats.org/drawingml/2006/main" xmlns:r="http://schemas.openxmlformats.org/officeDocument/2006/relationships" xmlns:p="http://schemas.openxmlformats.org/presentationml/2006/main">
+  <p:cSld>
+    <p:spTree>
+      <p:nvGrpSpPr>
+        <p:cNvPr id="1" name=""/>
+        <p:cNvGrpSpPr/>
+        <p:nvPr/>
+      </p:nvGrpSpPr>
+      <p:grpSpPr>
+        <a:xfrm>
+          <a:off x="0" y="0"/>
+          <a:ext cx="0" cy="0"/>
+          <a:chOff x="0" y="0"/>
+          <a:chExt cx="0" cy="0"/>
+        </a:xfrm>
+      </p:grpSpPr>
+      <p:sp>
+        <p:nvSpPr>
+          <p:cNvPr id="136" name="TextShape 1"/>
+          <p:cNvSpPr txBox="1"/>
+          <p:nvPr/>
+        </p:nvSpPr>
+        <p:spPr>
+          <a:xfrm>
+            <a:off x="147287" y="316575"/>
+            <a:ext cx="8491103" cy="1050030"/>
+          </a:xfrm>
+          <a:prstGeom prst="rect">
+            <a:avLst/>
+          </a:prstGeom>
+          <a:noFill/>
+          <a:ln>
+            <a:noFill/>
+          </a:ln>
+        </p:spPr>
+        <p:txBody>
+          <a:bodyPr>
+            <a:noAutofit/>
+          </a:bodyPr>
+          <a:lstStyle/>
+          <a:p>
+            <a:pPr>
+              <a:lnSpc>
+                <a:spcPct val="100000"/>
+              </a:lnSpc>
+            </a:pPr>
+            <a:r>
+              <a:rPr lang="hu-HU" sz="3600" spc="-1" dirty="0">
+                <a:solidFill>
+                  <a:srgbClr val="E3DED1"/>
+                </a:solidFill>
+                <a:latin typeface="Century Gothic"/>
+              </a:rPr>
+              <a:t>Rendszer működése – </a:t>
+            </a:r>
+            <a:r>
+              <a:rPr lang="hu-HU" sz="3600" spc="-1" dirty="0">
+                <a:solidFill>
+                  <a:srgbClr val="E3DED1"/>
+                </a:solidFill>
+                <a:latin typeface="Century Gothic"/>
+              </a:rPr>
+              <a:t>Időpontfoglalás</a:t>
+            </a:r>
+            <a:endParaRPr lang="hu-HU" sz="3600" spc="-1" dirty="0">
+              <a:solidFill>
+                <a:srgbClr val="FFFFFF"/>
+              </a:solidFill>
+              <a:latin typeface="Century Gothic"/>
+            </a:endParaRPr>
+          </a:p>
+        </p:txBody>
+      </p:sp>
+      <p:sp>
+        <p:nvSpPr>
+          <p:cNvPr id="137" name="TextShape 2"/>
+          <p:cNvSpPr txBox="1"/>
+          <p:nvPr/>
+        </p:nvSpPr>
+        <p:spPr>
+          <a:xfrm>
+            <a:off x="7764121" y="553905"/>
+            <a:ext cx="628290" cy="575370"/>
+          </a:xfrm>
+          <a:prstGeom prst="rect">
+            <a:avLst/>
+          </a:prstGeom>
+          <a:noFill/>
+          <a:ln>
+            <a:noFill/>
+          </a:ln>
+        </p:spPr>
+        <p:txBody>
+          <a:bodyPr anchor="b">
+            <a:normAutofit/>
+          </a:bodyPr>
+          <a:lstStyle/>
+          <a:p>
+            <a:pPr algn="ctr">
+              <a:lnSpc>
+                <a:spcPct val="100000"/>
+              </a:lnSpc>
+            </a:pPr>
+            <a:fld id="{B7FEE3B7-5980-4B79-9992-7CE0EBDE4521}" type="slidenum">
+              <a:rPr lang="hu-HU" sz="1350" spc="-1">
+                <a:solidFill>
+                  <a:srgbClr val="FFFFFF"/>
+                </a:solidFill>
+                <a:latin typeface="Century Gothic"/>
+              </a:rPr>
+              <a:t>9</a:t>
+            </a:fld>
+            <a:r>
+              <a:rPr lang="hu-HU" sz="1350" spc="-1" dirty="0">
+                <a:solidFill>
+                  <a:srgbClr val="FFFFFF"/>
+                </a:solidFill>
+                <a:latin typeface="Century Gothic"/>
+              </a:rPr>
+              <a:t>/13</a:t>
+            </a:r>
+            <a:endParaRPr lang="hu-HU" sz="1350" spc="-1" dirty="0">
+              <a:solidFill>
+                <a:srgbClr val="FFFFFF"/>
+              </a:solidFill>
+              <a:latin typeface="Century Gothic"/>
+            </a:endParaRPr>
+          </a:p>
+        </p:txBody>
+      </p:sp>
+      <p:pic>
+        <p:nvPicPr>
+          <p:cNvPr id="3" name="Kép 2">
+            <a:extLst>
+              <a:ext uri="{FF2B5EF4-FFF2-40B4-BE49-F238E27FC236}">
+                <a16:creationId xmlns:a16="http://schemas.microsoft.com/office/drawing/2014/main" id="{19B097F2-5E3E-497B-B987-81C84F9F0A5C}"/>
+              </a:ext>
+            </a:extLst>
+          </p:cNvPr>
+          <p:cNvPicPr>
+            <a:picLocks noChangeAspect="1"/>
+          </p:cNvPicPr>
+          <p:nvPr/>
+        </p:nvPicPr>
+        <p:blipFill>
+          <a:blip r:embed="rId3">
+            <a:extLst>
+              <a:ext uri="{28A0092B-C50C-407E-A947-70E740481C1C}">
+                <a14:useLocalDpi xmlns:a14="http://schemas.microsoft.com/office/drawing/2010/main" val="0"/>
+              </a:ext>
+            </a:extLst>
+          </a:blip>
+          <a:stretch>
+            <a:fillRect/>
+          </a:stretch>
+        </p:blipFill>
+        <p:spPr>
+          <a:xfrm>
+            <a:off x="817652" y="1603935"/>
+            <a:ext cx="7820738" cy="5023918"/>
           </a:xfrm>
           <a:prstGeom prst="rect">
             <a:avLst/>
@@ -9987,420 +11315,6 @@
             </p:seq>
           </p:childTnLst>
         </p:cTn>
-      </p:par>
-    </p:tnLst>
-  </p:timing>
-</p:sld>
-</file>
-
-<file path=ppt/slides/slide9.xml><?xml version="1.0" encoding="utf-8"?>
-<p:sld xmlns:a="http://schemas.openxmlformats.org/drawingml/2006/main" xmlns:r="http://schemas.openxmlformats.org/officeDocument/2006/relationships" xmlns:p="http://schemas.openxmlformats.org/presentationml/2006/main">
-  <p:cSld>
-    <p:spTree>
-      <p:nvGrpSpPr>
-        <p:cNvPr id="1" name=""/>
-        <p:cNvGrpSpPr/>
-        <p:nvPr/>
-      </p:nvGrpSpPr>
-      <p:grpSpPr>
-        <a:xfrm>
-          <a:off x="0" y="0"/>
-          <a:ext cx="0" cy="0"/>
-          <a:chOff x="0" y="0"/>
-          <a:chExt cx="0" cy="0"/>
-        </a:xfrm>
-      </p:grpSpPr>
-      <p:sp>
-        <p:nvSpPr>
-          <p:cNvPr id="2" name="Cím 1">
-            <a:extLst>
-              <a:ext uri="{FF2B5EF4-FFF2-40B4-BE49-F238E27FC236}">
-                <a16:creationId xmlns:a16="http://schemas.microsoft.com/office/drawing/2014/main" id="{032F5842-C983-413C-A665-35238174D121}"/>
-              </a:ext>
-            </a:extLst>
-          </p:cNvPr>
-          <p:cNvSpPr>
-            <a:spLocks noGrp="1"/>
-          </p:cNvSpPr>
-          <p:nvPr>
-            <p:ph type="title"/>
-          </p:nvPr>
-        </p:nvSpPr>
-        <p:spPr>
-          <a:xfrm>
-            <a:off x="167613" y="309812"/>
-            <a:ext cx="7174852" cy="814657"/>
-          </a:xfrm>
-        </p:spPr>
-        <p:txBody>
-          <a:bodyPr anchor="t" anchorCtr="0"/>
-          <a:lstStyle/>
-          <a:p>
-            <a:r>
-              <a:rPr lang="hu-HU" sz="3600" spc="-1" dirty="0">
-                <a:solidFill>
-                  <a:srgbClr val="E3DED1"/>
-                </a:solidFill>
-                <a:latin typeface="Century Gothic"/>
-              </a:rPr>
-              <a:t>Frontend-Backend kapcsolat/</a:t>
-            </a:r>
-            <a:br>
-              <a:rPr lang="hu-HU" sz="3600" spc="-1" dirty="0">
-                <a:solidFill>
-                  <a:srgbClr val="E3DED1"/>
-                </a:solidFill>
-                <a:latin typeface="Century Gothic"/>
-              </a:rPr>
-            </a:br>
-            <a:r>
-              <a:rPr lang="hu-HU" sz="3600" spc="-1" dirty="0">
-                <a:solidFill>
-                  <a:srgbClr val="E3DED1"/>
-                </a:solidFill>
-                <a:latin typeface="Century Gothic"/>
-                <a:ea typeface="+mn-ea"/>
-                <a:cs typeface="+mn-cs"/>
-              </a:rPr>
-              <a:t> Időpontfoglalás</a:t>
-            </a:r>
-            <a:endParaRPr lang="hu-HU" sz="3600" spc="-1" dirty="0">
-              <a:solidFill>
-                <a:srgbClr val="E3DED1"/>
-              </a:solidFill>
-              <a:latin typeface="Century Gothic"/>
-              <a:ea typeface="+mn-ea"/>
-              <a:cs typeface="+mn-cs"/>
-            </a:endParaRPr>
-          </a:p>
-        </p:txBody>
-      </p:sp>
-      <p:sp>
-        <p:nvSpPr>
-          <p:cNvPr id="8" name="TextShape 2">
-            <a:extLst>
-              <a:ext uri="{FF2B5EF4-FFF2-40B4-BE49-F238E27FC236}">
-                <a16:creationId xmlns:a16="http://schemas.microsoft.com/office/drawing/2014/main" id="{03389B60-5A7F-48B8-8067-7C554B57C3EB}"/>
-              </a:ext>
-            </a:extLst>
-          </p:cNvPr>
-          <p:cNvSpPr txBox="1"/>
-          <p:nvPr/>
-        </p:nvSpPr>
-        <p:spPr>
-          <a:xfrm>
-            <a:off x="7764120" y="571926"/>
-            <a:ext cx="628290" cy="575370"/>
-          </a:xfrm>
-          <a:prstGeom prst="rect">
-            <a:avLst/>
-          </a:prstGeom>
-          <a:noFill/>
-          <a:ln>
-            <a:noFill/>
-          </a:ln>
-        </p:spPr>
-        <p:txBody>
-          <a:bodyPr anchor="b">
-            <a:normAutofit/>
-          </a:bodyPr>
-          <a:lstStyle/>
-          <a:p>
-            <a:pPr algn="ctr">
-              <a:lnSpc>
-                <a:spcPct val="100000"/>
-              </a:lnSpc>
-            </a:pPr>
-            <a:fld id="{B7FEE3B7-5980-4B79-9992-7CE0EBDE4521}" type="slidenum">
-              <a:rPr lang="hu-HU" sz="1350" spc="-1">
-                <a:solidFill>
-                  <a:srgbClr val="FFFFFF"/>
-                </a:solidFill>
-                <a:latin typeface="Century Gothic"/>
-              </a:rPr>
-              <a:t>9</a:t>
-            </a:fld>
-            <a:r>
-              <a:rPr lang="hu-HU" sz="1350" spc="-1" dirty="0">
-                <a:solidFill>
-                  <a:srgbClr val="FFFFFF"/>
-                </a:solidFill>
-                <a:latin typeface="Century Gothic"/>
-              </a:rPr>
-              <a:t>/12</a:t>
-            </a:r>
-          </a:p>
-        </p:txBody>
-      </p:sp>
-      <p:pic>
-        <p:nvPicPr>
-          <p:cNvPr id="3" name="Kép 2"/>
-          <p:cNvPicPr>
-            <a:picLocks noChangeAspect="1"/>
-          </p:cNvPicPr>
-          <p:nvPr/>
-        </p:nvPicPr>
-        <p:blipFill>
-          <a:blip r:embed="rId2"/>
-          <a:stretch>
-            <a:fillRect/>
-          </a:stretch>
-        </p:blipFill>
-        <p:spPr>
-          <a:xfrm>
-            <a:off x="95910" y="1785638"/>
-            <a:ext cx="4880461" cy="1437396"/>
-          </a:xfrm>
-          <a:prstGeom prst="rect">
-            <a:avLst/>
-          </a:prstGeom>
-        </p:spPr>
-      </p:pic>
-      <p:pic>
-        <p:nvPicPr>
-          <p:cNvPr id="5" name="Kép 4"/>
-          <p:cNvPicPr>
-            <a:picLocks noChangeAspect="1"/>
-          </p:cNvPicPr>
-          <p:nvPr/>
-        </p:nvPicPr>
-        <p:blipFill>
-          <a:blip r:embed="rId3"/>
-          <a:stretch>
-            <a:fillRect/>
-          </a:stretch>
-        </p:blipFill>
-        <p:spPr>
-          <a:xfrm>
-            <a:off x="86912" y="5022735"/>
-            <a:ext cx="4380836" cy="1369012"/>
-          </a:xfrm>
-          <a:prstGeom prst="rect">
-            <a:avLst/>
-          </a:prstGeom>
-        </p:spPr>
-      </p:pic>
-      <p:pic>
-        <p:nvPicPr>
-          <p:cNvPr id="6" name="Kép 5"/>
-          <p:cNvPicPr>
-            <a:picLocks noChangeAspect="1"/>
-          </p:cNvPicPr>
-          <p:nvPr/>
-        </p:nvPicPr>
-        <p:blipFill>
-          <a:blip r:embed="rId4"/>
-          <a:stretch>
-            <a:fillRect/>
-          </a:stretch>
-        </p:blipFill>
-        <p:spPr>
-          <a:xfrm>
-            <a:off x="4802468" y="3034972"/>
-            <a:ext cx="4339279" cy="2079917"/>
-          </a:xfrm>
-          <a:prstGeom prst="rect">
-            <a:avLst/>
-          </a:prstGeom>
-        </p:spPr>
-      </p:pic>
-      <p:sp>
-        <p:nvSpPr>
-          <p:cNvPr id="9" name="Jobbra nyíl 8"/>
-          <p:cNvSpPr/>
-          <p:nvPr/>
-        </p:nvSpPr>
-        <p:spPr>
-          <a:xfrm rot="1924341">
-            <a:off x="3679410" y="2639630"/>
-            <a:ext cx="3185812" cy="323761"/>
-          </a:xfrm>
-          <a:prstGeom prst="rightArrow">
-            <a:avLst/>
-          </a:prstGeom>
-          <a:solidFill>
-            <a:schemeClr val="accent2">
-              <a:lumMod val="60000"/>
-              <a:lumOff val="40000"/>
-            </a:schemeClr>
-          </a:solidFill>
-          <a:ln>
-            <a:solidFill>
-              <a:schemeClr val="bg1">
-                <a:lumMod val="50000"/>
-              </a:schemeClr>
-            </a:solidFill>
-          </a:ln>
-        </p:spPr>
-        <p:style>
-          <a:lnRef idx="2">
-            <a:schemeClr val="accent1">
-              <a:shade val="50000"/>
-            </a:schemeClr>
-          </a:lnRef>
-          <a:fillRef idx="1">
-            <a:schemeClr val="accent1"/>
-          </a:fillRef>
-          <a:effectRef idx="0">
-            <a:schemeClr val="accent1"/>
-          </a:effectRef>
-          <a:fontRef idx="minor">
-            <a:schemeClr val="lt1"/>
-          </a:fontRef>
-        </p:style>
-        <p:txBody>
-          <a:bodyPr rtlCol="0" anchor="ctr"/>
-          <a:lstStyle/>
-          <a:p>
-            <a:pPr algn="ctr"/>
-            <a:endParaRPr lang="hu-HU" sz="1350"/>
-          </a:p>
-        </p:txBody>
-      </p:sp>
-      <p:sp>
-        <p:nvSpPr>
-          <p:cNvPr id="10" name="Jobbra nyíl 9"/>
-          <p:cNvSpPr/>
-          <p:nvPr/>
-        </p:nvSpPr>
-        <p:spPr>
-          <a:xfrm rot="9442442">
-            <a:off x="2087609" y="4380927"/>
-            <a:ext cx="3334861" cy="312879"/>
-          </a:xfrm>
-          <a:prstGeom prst="rightArrow">
-            <a:avLst/>
-          </a:prstGeom>
-          <a:solidFill>
-            <a:schemeClr val="accent2">
-              <a:lumMod val="60000"/>
-              <a:lumOff val="40000"/>
-            </a:schemeClr>
-          </a:solidFill>
-          <a:ln>
-            <a:solidFill>
-              <a:schemeClr val="bg1">
-                <a:lumMod val="65000"/>
-              </a:schemeClr>
-            </a:solidFill>
-          </a:ln>
-        </p:spPr>
-        <p:style>
-          <a:lnRef idx="2">
-            <a:schemeClr val="accent1">
-              <a:shade val="50000"/>
-            </a:schemeClr>
-          </a:lnRef>
-          <a:fillRef idx="1">
-            <a:schemeClr val="accent1"/>
-          </a:fillRef>
-          <a:effectRef idx="0">
-            <a:schemeClr val="accent1"/>
-          </a:effectRef>
-          <a:fontRef idx="minor">
-            <a:schemeClr val="lt1"/>
-          </a:fontRef>
-        </p:style>
-        <p:txBody>
-          <a:bodyPr rtlCol="0" anchor="ctr"/>
-          <a:lstStyle/>
-          <a:p>
-            <a:pPr algn="ctr"/>
-            <a:endParaRPr lang="hu-HU" sz="1350"/>
-          </a:p>
-        </p:txBody>
-      </p:sp>
-      <p:pic>
-        <p:nvPicPr>
-          <p:cNvPr id="12" name="Kép 11"/>
-          <p:cNvPicPr>
-            <a:picLocks noChangeAspect="1"/>
-          </p:cNvPicPr>
-          <p:nvPr/>
-        </p:nvPicPr>
-        <p:blipFill>
-          <a:blip r:embed="rId5"/>
-          <a:stretch>
-            <a:fillRect/>
-          </a:stretch>
-        </p:blipFill>
-        <p:spPr>
-          <a:xfrm>
-            <a:off x="5199066" y="5429790"/>
-            <a:ext cx="3600750" cy="1052656"/>
-          </a:xfrm>
-          <a:prstGeom prst="rect">
-            <a:avLst/>
-          </a:prstGeom>
-        </p:spPr>
-      </p:pic>
-      <p:sp>
-        <p:nvSpPr>
-          <p:cNvPr id="13" name="Jobbra nyíl 12"/>
-          <p:cNvSpPr/>
-          <p:nvPr/>
-        </p:nvSpPr>
-        <p:spPr>
-          <a:xfrm rot="307554">
-            <a:off x="4059852" y="5589224"/>
-            <a:ext cx="2278427" cy="265643"/>
-          </a:xfrm>
-          <a:prstGeom prst="rightArrow">
-            <a:avLst/>
-          </a:prstGeom>
-          <a:solidFill>
-            <a:schemeClr val="accent2">
-              <a:lumMod val="60000"/>
-              <a:lumOff val="40000"/>
-            </a:schemeClr>
-          </a:solidFill>
-          <a:ln>
-            <a:solidFill>
-              <a:schemeClr val="bg1">
-                <a:lumMod val="75000"/>
-              </a:schemeClr>
-            </a:solidFill>
-          </a:ln>
-        </p:spPr>
-        <p:style>
-          <a:lnRef idx="2">
-            <a:schemeClr val="accent1">
-              <a:shade val="50000"/>
-            </a:schemeClr>
-          </a:lnRef>
-          <a:fillRef idx="1">
-            <a:schemeClr val="accent1"/>
-          </a:fillRef>
-          <a:effectRef idx="0">
-            <a:schemeClr val="accent1"/>
-          </a:effectRef>
-          <a:fontRef idx="minor">
-            <a:schemeClr val="lt1"/>
-          </a:fontRef>
-        </p:style>
-        <p:txBody>
-          <a:bodyPr rtlCol="0" anchor="ctr"/>
-          <a:lstStyle/>
-          <a:p>
-            <a:pPr algn="ctr"/>
-            <a:endParaRPr lang="hu-HU" sz="1350"/>
-          </a:p>
-        </p:txBody>
-      </p:sp>
-    </p:spTree>
-    <p:extLst>
-      <p:ext uri="{BB962C8B-B14F-4D97-AF65-F5344CB8AC3E}">
-        <p14:creationId xmlns:p14="http://schemas.microsoft.com/office/powerpoint/2010/main" val="2885968477"/>
-      </p:ext>
-    </p:extLst>
-  </p:cSld>
-  <p:clrMapOvr>
-    <a:masterClrMapping/>
-  </p:clrMapOvr>
-  <p:timing>
-    <p:tnLst>
-      <p:par>
-        <p:cTn id="1" dur="indefinite" restart="never" nodeType="tmRoot"/>
       </p:par>
     </p:tnLst>
   </p:timing>
